--- a/poster/poster.pptx
+++ b/poster/poster.pptx
@@ -3780,8 +3780,8 @@
         </p:nvGrpSpPr>
         <p:grpSpPr>
           <a:xfrm>
-            <a:off x="1054474" y="495300"/>
-            <a:ext cx="41794578" cy="4610100"/>
+            <a:off x="1054474" y="495299"/>
+            <a:ext cx="41794578" cy="4914049"/>
             <a:chOff x="1054474" y="495300"/>
             <a:chExt cx="41794578" cy="4610100"/>
           </a:xfrm>
@@ -4234,14 +4234,6 @@
               </a:rPr>
               <a:t>A new strategy for fatigue analysis in presence of general multiaxial time varying loadings</a:t>
             </a:r>
-            <a:endParaRPr lang="en-US" altLang="zh-CN" sz="7200" b="1" dirty="0">
-              <a:solidFill>
-                <a:schemeClr val="bg1"/>
-              </a:solidFill>
-              <a:latin typeface="Lucida Sans" pitchFamily="34" charset="0"/>
-              <a:ea typeface="SimSun" pitchFamily="2" charset="-122"/>
-              <a:cs typeface="Lucida Sans" pitchFamily="34" charset="0"/>
-            </a:endParaRPr>
           </a:p>
           <a:p>
             <a:pPr algn="ctr">
@@ -4313,27 +4305,8 @@
                 <a:ea typeface="SimSun" pitchFamily="2" charset="-122"/>
                 <a:cs typeface="Lucida Sans" pitchFamily="34" charset="0"/>
               </a:rPr>
-              <a:t> </a:t>
+              <a:t> Maitournam</a:t>
             </a:r>
-            <a:r>
-              <a:rPr lang="en-US" altLang="zh-CN" sz="5600" b="1" dirty="0" err="1">
-                <a:solidFill>
-                  <a:schemeClr val="bg1"/>
-                </a:solidFill>
-                <a:latin typeface="Lucida Sans" pitchFamily="34" charset="0"/>
-                <a:ea typeface="SimSun" pitchFamily="2" charset="-122"/>
-                <a:cs typeface="Lucida Sans" pitchFamily="34" charset="0"/>
-              </a:rPr>
-              <a:t>Maitournam</a:t>
-            </a:r>
-            <a:endParaRPr lang="en-US" altLang="zh-CN" sz="5600" b="1" dirty="0">
-              <a:solidFill>
-                <a:schemeClr val="bg1"/>
-              </a:solidFill>
-              <a:latin typeface="Lucida Sans" pitchFamily="34" charset="0"/>
-              <a:ea typeface="SimSun" pitchFamily="2" charset="-122"/>
-              <a:cs typeface="Lucida Sans" pitchFamily="34" charset="0"/>
-            </a:endParaRPr>
           </a:p>
           <a:p>
             <a:pPr algn="ctr"/>
@@ -4434,7 +4407,18 @@
                 <a:ea typeface="SimSun" pitchFamily="2" charset="-122"/>
                 <a:cs typeface="Lucida Sans" pitchFamily="34" charset="0"/>
               </a:rPr>
-              <a:t>, France</a:t>
+              <a:t>, </a:t>
+            </a:r>
+            <a:r>
+              <a:rPr lang="en-US" altLang="zh-CN" sz="4200" b="1" dirty="0" smtClean="0">
+                <a:solidFill>
+                  <a:schemeClr val="bg1"/>
+                </a:solidFill>
+                <a:latin typeface="Lucida Sans" pitchFamily="34" charset="0"/>
+                <a:ea typeface="SimSun" pitchFamily="2" charset="-122"/>
+                <a:cs typeface="Lucida Sans" pitchFamily="34" charset="0"/>
+              </a:rPr>
+              <a:t>France</a:t>
             </a:r>
             <a:endParaRPr lang="en-US" altLang="zh-CN" sz="4200" b="1" dirty="0">
               <a:solidFill>
@@ -4457,8 +4441,8 @@
         </p:nvSpPr>
         <p:spPr bwMode="auto">
           <a:xfrm>
-            <a:off x="1066800" y="6820488"/>
-            <a:ext cx="11007725" cy="4930581"/>
+            <a:off x="1066799" y="7056738"/>
+            <a:ext cx="11007725" cy="5447645"/>
           </a:xfrm>
           <a:prstGeom prst="rect">
             <a:avLst/>
@@ -4595,8 +4579,26 @@
               <a:buFont typeface="Arial" panose="020B0604020202020204" pitchFamily="34" charset="0"/>
               <a:buChar char="•"/>
             </a:pPr>
+            <a:endParaRPr lang="en-US" altLang="ja-JP" sz="2800" dirty="0" smtClean="0">
+              <a:solidFill>
+                <a:schemeClr val="tx1">
+                  <a:lumMod val="75000"/>
+                  <a:lumOff val="25000"/>
+                </a:schemeClr>
+              </a:solidFill>
+              <a:ea typeface="ＭＳ Ｐゴシック" charset="-128"/>
+            </a:endParaRPr>
+          </a:p>
+          <a:p>
+            <a:pPr marL="457200" indent="-457200" algn="just">
+              <a:lnSpc>
+                <a:spcPct val="120000"/>
+              </a:lnSpc>
+              <a:buFont typeface="Arial" panose="020B0604020202020204" pitchFamily="34" charset="0"/>
+              <a:buChar char="•"/>
+            </a:pPr>
             <a:r>
-              <a:rPr lang="en-US" altLang="ja-JP" sz="2800" dirty="0">
+              <a:rPr lang="en-US" altLang="ja-JP" sz="2800" dirty="0" smtClean="0">
                 <a:solidFill>
                   <a:schemeClr val="tx1">
                     <a:lumMod val="75000"/>
@@ -4605,7 +4607,19 @@
                 </a:solidFill>
                 <a:ea typeface="ＭＳ Ｐゴシック" charset="-128"/>
               </a:rPr>
-              <a:t>The object of this </a:t>
+              <a:t>The </a:t>
+            </a:r>
+            <a:r>
+              <a:rPr lang="en-US" altLang="ja-JP" sz="2800" dirty="0">
+                <a:solidFill>
+                  <a:schemeClr val="tx1">
+                    <a:lumMod val="75000"/>
+                    <a:lumOff val="25000"/>
+                  </a:schemeClr>
+                </a:solidFill>
+                <a:ea typeface="ＭＳ Ｐゴシック" charset="-128"/>
+              </a:rPr>
+              <a:t>object of this </a:t>
             </a:r>
             <a:r>
               <a:rPr lang="en-US" altLang="ja-JP" sz="2800" dirty="0" smtClean="0">
@@ -4629,7 +4643,7 @@
                 </a:solidFill>
                 <a:ea typeface="ＭＳ Ｐゴシック" charset="-128"/>
               </a:rPr>
-              <a:t>is to propose an energy based fatigue approach which takes into account impurities </a:t>
+              <a:t>is to propose an energy based fatigue approach which handles multidimensional time varying loading histories</a:t>
             </a:r>
             <a:r>
               <a:rPr lang="en-US" altLang="ja-JP" sz="2800" dirty="0" smtClean="0">
@@ -4641,39 +4655,15 @@
                 </a:solidFill>
                 <a:ea typeface="ＭＳ Ｐゴシック" charset="-128"/>
               </a:rPr>
-              <a:t>and hardness </a:t>
-            </a:r>
-            <a:r>
-              <a:rPr lang="en-US" altLang="ja-JP" sz="2800" dirty="0">
-                <a:solidFill>
-                  <a:schemeClr val="tx1">
-                    <a:lumMod val="75000"/>
-                    <a:lumOff val="25000"/>
-                  </a:schemeClr>
-                </a:solidFill>
-                <a:ea typeface="ＭＳ Ｐゴシック" charset="-128"/>
-              </a:rPr>
-              <a:t>in the </a:t>
-            </a:r>
-            <a:r>
-              <a:rPr lang="en-US" altLang="ja-JP" sz="2800" dirty="0" smtClean="0">
-                <a:solidFill>
-                  <a:schemeClr val="tx1">
-                    <a:lumMod val="75000"/>
-                    <a:lumOff val="25000"/>
-                  </a:schemeClr>
-                </a:solidFill>
-                <a:ea typeface="ＭＳ Ｐゴシック" charset="-128"/>
-              </a:rPr>
-              <a:t>material.</a:t>
+              <a:t>.</a:t>
             </a:r>
           </a:p>
           <a:p>
-            <a:pPr algn="just">
+            <a:pPr marL="457200" indent="-457200" algn="just">
               <a:lnSpc>
                 <a:spcPct val="120000"/>
               </a:lnSpc>
-              <a:buFontTx/>
+              <a:buFont typeface="Arial" panose="020B0604020202020204" pitchFamily="34" charset="0"/>
               <a:buChar char="•"/>
             </a:pPr>
             <a:endParaRPr lang="en-US" altLang="ja-JP" sz="2800" dirty="0">
@@ -4704,11 +4694,20 @@
                 </a:solidFill>
                 <a:ea typeface="ＭＳ Ｐゴシック" charset="-128"/>
               </a:rPr>
-              <a:t>The proposal of our model is to consider a plastic behavior at the mesoscopic scale with a dependence of the yield function not only on the deviatoric part of the stress but also on the hydro static part. </a:t>
+              <a:t>Our fundamental thought is to assume that the energy dissipated at small scales governs fatigue at failure. </a:t>
             </a:r>
+            <a:endParaRPr lang="en-US" altLang="ja-JP" sz="2800" dirty="0" smtClean="0">
+              <a:solidFill>
+                <a:schemeClr val="tx1">
+                  <a:lumMod val="75000"/>
+                  <a:lumOff val="25000"/>
+                </a:schemeClr>
+              </a:solidFill>
+              <a:ea typeface="ＭＳ Ｐゴシック" charset="-128"/>
+            </a:endParaRPr>
           </a:p>
           <a:p>
-            <a:pPr algn="just">
+            <a:pPr marL="0" indent="0">
               <a:lnSpc>
                 <a:spcPct val="120000"/>
               </a:lnSpc>
@@ -4741,7 +4740,7 @@
                 </a:solidFill>
                 <a:ea typeface="ＭＳ Ｐゴシック" charset="-128"/>
               </a:rPr>
-              <a:t>A kinematic hardening under the assumptions of associative plasticity is also considered</a:t>
+              <a:t>Instead of using the number of cycles, we use the concept of loading history</a:t>
             </a:r>
             <a:r>
               <a:rPr lang="en-US" altLang="ja-JP" sz="2800" dirty="0" smtClean="0">
@@ -4755,6 +4754,15 @@
               </a:rPr>
               <a:t>.</a:t>
             </a:r>
+          </a:p>
+          <a:p>
+            <a:pPr marL="457200" indent="-457200" algn="just">
+              <a:lnSpc>
+                <a:spcPct val="120000"/>
+              </a:lnSpc>
+              <a:buFont typeface="Arial" panose="020B0604020202020204" pitchFamily="34" charset="0"/>
+              <a:buChar char="•"/>
+            </a:pPr>
             <a:endParaRPr lang="en-US" altLang="ja-JP" sz="2800" dirty="0">
               <a:solidFill>
                 <a:schemeClr val="tx1">
@@ -4777,8 +4785,8 @@
         </p:nvSpPr>
         <p:spPr bwMode="auto">
           <a:xfrm>
-            <a:off x="1066800" y="20215515"/>
-            <a:ext cx="11049000" cy="7470763"/>
+            <a:off x="1047314" y="18901013"/>
+            <a:ext cx="11049000" cy="6481774"/>
           </a:xfrm>
           <a:prstGeom prst="rect">
             <a:avLst/>
@@ -4906,140 +4914,215 @@
                 <a:spcPct val="120000"/>
               </a:lnSpc>
             </a:pPr>
-            <a:endParaRPr lang="en-AU" altLang="zh-CN" sz="2800" dirty="0">
-              <a:ea typeface="SimSun" pitchFamily="2" charset="-122"/>
+            <a:endParaRPr lang="en-US" altLang="ja-JP" sz="2800" dirty="0" smtClean="0">
+              <a:solidFill>
+                <a:schemeClr val="tx1">
+                  <a:lumMod val="75000"/>
+                  <a:lumOff val="25000"/>
+                </a:schemeClr>
+              </a:solidFill>
+              <a:ea typeface="ＭＳ Ｐゴシック" charset="-128"/>
             </a:endParaRPr>
           </a:p>
           <a:p>
-            <a:pPr lvl="1">
+            <a:pPr marL="457200" indent="-457200">
               <a:lnSpc>
                 <a:spcPct val="120000"/>
               </a:lnSpc>
-              <a:buFontTx/>
+              <a:buFont typeface="Arial" panose="020B0604020202020204" pitchFamily="34" charset="0"/>
               <a:buChar char="•"/>
             </a:pPr>
             <a:r>
-              <a:rPr lang="en-US" altLang="ja-JP" sz="2800" dirty="0">
+              <a:rPr lang="en-US" altLang="ja-JP" sz="2800" dirty="0" smtClean="0">
+                <a:solidFill>
+                  <a:schemeClr val="tx1">
+                    <a:lumMod val="75000"/>
+                    <a:lumOff val="25000"/>
+                  </a:schemeClr>
+                </a:solidFill>
                 <a:ea typeface="ＭＳ Ｐゴシック" charset="-128"/>
               </a:rPr>
-              <a:t>Our fundamental thought is to assume that the local dissipated energy at small scale governs fatigue at failure</a:t>
+              <a:t>At </a:t>
+            </a:r>
+            <a:r>
+              <a:rPr lang="en-US" altLang="ja-JP" sz="2800" dirty="0">
+                <a:solidFill>
+                  <a:schemeClr val="tx1">
+                    <a:lumMod val="75000"/>
+                    <a:lumOff val="25000"/>
+                  </a:schemeClr>
+                </a:solidFill>
+                <a:ea typeface="ＭＳ Ｐゴシック" charset="-128"/>
+              </a:rPr>
+              <a:t>each material points, there is a stochastic distribution of weak points which </a:t>
             </a:r>
             <a:r>
               <a:rPr lang="en-US" altLang="ja-JP" sz="2800" dirty="0" smtClean="0">
+                <a:solidFill>
+                  <a:schemeClr val="tx1">
+                    <a:lumMod val="75000"/>
+                    <a:lumOff val="25000"/>
+                  </a:schemeClr>
+                </a:solidFill>
+                <a:ea typeface="ＭＳ Ｐゴシック" charset="-128"/>
+              </a:rPr>
+              <a:t>will undergo </a:t>
+            </a:r>
+            <a:r>
+              <a:rPr lang="en-US" altLang="ja-JP" sz="2800" dirty="0">
+                <a:solidFill>
+                  <a:schemeClr val="tx1">
+                    <a:lumMod val="75000"/>
+                    <a:lumOff val="25000"/>
+                  </a:schemeClr>
+                </a:solidFill>
+                <a:ea typeface="ＭＳ Ｐゴシック" charset="-128"/>
+              </a:rPr>
+              <a:t>strong plastic yielding, which contribute to energy dissipation </a:t>
+            </a:r>
+            <a:r>
+              <a:rPr lang="en-US" altLang="ja-JP" sz="2800" dirty="0" smtClean="0">
+                <a:solidFill>
+                  <a:schemeClr val="tx1">
+                    <a:lumMod val="75000"/>
+                    <a:lumOff val="25000"/>
+                  </a:schemeClr>
+                </a:solidFill>
+                <a:ea typeface="ＭＳ Ｐゴシック" charset="-128"/>
+              </a:rPr>
+              <a:t>without affecting </a:t>
+            </a:r>
+            <a:r>
+              <a:rPr lang="en-US" altLang="ja-JP" sz="2800" dirty="0">
+                <a:solidFill>
+                  <a:schemeClr val="tx1">
+                    <a:lumMod val="75000"/>
+                    <a:lumOff val="25000"/>
+                  </a:schemeClr>
+                </a:solidFill>
+                <a:ea typeface="ＭＳ Ｐゴシック" charset="-128"/>
+              </a:rPr>
+              <a:t>the overall macroscopic stress</a:t>
+            </a:r>
+            <a:r>
+              <a:rPr lang="en-US" altLang="ja-JP" sz="2800" dirty="0" smtClean="0">
+                <a:solidFill>
+                  <a:schemeClr val="tx1">
+                    <a:lumMod val="75000"/>
+                    <a:lumOff val="25000"/>
+                  </a:schemeClr>
+                </a:solidFill>
                 <a:ea typeface="ＭＳ Ｐゴシック" charset="-128"/>
               </a:rPr>
               <a:t>.</a:t>
             </a:r>
           </a:p>
           <a:p>
-            <a:pPr marL="458787" lvl="1" indent="0">
+            <a:pPr>
               <a:lnSpc>
                 <a:spcPct val="120000"/>
               </a:lnSpc>
             </a:pPr>
             <a:endParaRPr lang="en-US" altLang="ja-JP" sz="2800" dirty="0">
+              <a:solidFill>
+                <a:schemeClr val="tx1">
+                  <a:lumMod val="75000"/>
+                  <a:lumOff val="25000"/>
+                </a:schemeClr>
+              </a:solidFill>
               <a:ea typeface="ＭＳ Ｐゴシック" charset="-128"/>
             </a:endParaRPr>
           </a:p>
           <a:p>
-            <a:pPr lvl="1">
+            <a:pPr marL="457200" indent="-457200" algn="just">
               <a:lnSpc>
                 <a:spcPct val="120000"/>
               </a:lnSpc>
-              <a:buFontTx/>
+              <a:buFont typeface="Arial" panose="020B0604020202020204" pitchFamily="34" charset="0"/>
               <a:buChar char="•"/>
             </a:pPr>
             <a:r>
               <a:rPr lang="en-US" altLang="ja-JP" sz="2800" dirty="0">
+                <a:solidFill>
+                  <a:schemeClr val="tx1">
+                    <a:lumMod val="75000"/>
+                    <a:lumOff val="25000"/>
+                  </a:schemeClr>
+                </a:solidFill>
                 <a:ea typeface="ＭＳ Ｐゴシック" charset="-128"/>
               </a:rPr>
-              <a:t>The structure is elastic at the macroscopic scale. At each material points, there is a stochastic distribution of weak points which will undergo strong plastic yielding, which contribute to energy dissipation without affecting the overall macroscopic stress</a:t>
-            </a:r>
-            <a:r>
-              <a:rPr lang="en-US" altLang="ja-JP" sz="2800" dirty="0" smtClean="0">
-                <a:ea typeface="ＭＳ Ｐゴシック" charset="-128"/>
-              </a:rPr>
-              <a:t>.</a:t>
+              <a:t>Mean stress effect is taken into account in mesoscopic yield function and non-linear damage accumulation law are also considered in our model. </a:t>
             </a:r>
           </a:p>
           <a:p>
-            <a:pPr marL="458787" lvl="1" indent="0">
+            <a:pPr marL="457200" indent="-457200" algn="just">
+              <a:lnSpc>
+                <a:spcPct val="120000"/>
+              </a:lnSpc>
+              <a:buFont typeface="Arial" panose="020B0604020202020204" pitchFamily="34" charset="0"/>
+              <a:buChar char="•"/>
+            </a:pPr>
+            <a:endParaRPr lang="en-US" altLang="ja-JP" sz="2800" dirty="0">
+              <a:solidFill>
+                <a:schemeClr val="tx1">
+                  <a:lumMod val="75000"/>
+                  <a:lumOff val="25000"/>
+                </a:schemeClr>
+              </a:solidFill>
+              <a:ea typeface="ＭＳ Ｐゴシック" charset="-128"/>
+            </a:endParaRPr>
+          </a:p>
+          <a:p>
+            <a:pPr marL="457200" indent="-457200" algn="just">
+              <a:lnSpc>
+                <a:spcPct val="120000"/>
+              </a:lnSpc>
+              <a:buFont typeface="Arial" panose="020B0604020202020204" pitchFamily="34" charset="0"/>
+              <a:buChar char="•"/>
+            </a:pPr>
+            <a:r>
+              <a:rPr lang="en-US" altLang="ja-JP" sz="2800" dirty="0">
+                <a:solidFill>
+                  <a:schemeClr val="tx1">
+                    <a:lumMod val="75000"/>
+                    <a:lumOff val="25000"/>
+                  </a:schemeClr>
+                </a:solidFill>
+                <a:ea typeface="ＭＳ Ｐゴシック" charset="-128"/>
+              </a:rPr>
+              <a:t>Fatigue will then be determined from the plastic shakedown cycle.</a:t>
+            </a:r>
+          </a:p>
+          <a:p>
+            <a:pPr>
+              <a:lnSpc>
+                <a:spcPct val="120000"/>
+              </a:lnSpc>
+            </a:pPr>
+            <a:endParaRPr lang="en-US" altLang="ja-JP" sz="2800" dirty="0" smtClean="0">
+              <a:solidFill>
+                <a:schemeClr val="tx1">
+                  <a:lumMod val="75000"/>
+                  <a:lumOff val="25000"/>
+                </a:schemeClr>
+              </a:solidFill>
+              <a:ea typeface="ＭＳ Ｐゴシック" charset="-128"/>
+            </a:endParaRPr>
+          </a:p>
+          <a:p>
+            <a:pPr>
               <a:lnSpc>
                 <a:spcPct val="120000"/>
               </a:lnSpc>
             </a:pPr>
             <a:endParaRPr lang="en-US" altLang="ja-JP" sz="2800" dirty="0">
+              <a:solidFill>
+                <a:schemeClr val="tx1">
+                  <a:lumMod val="75000"/>
+                  <a:lumOff val="25000"/>
+                </a:schemeClr>
+              </a:solidFill>
               <a:ea typeface="ＭＳ Ｐゴシック" charset="-128"/>
-            </a:endParaRPr>
-          </a:p>
-          <a:p>
-            <a:pPr lvl="1">
-              <a:lnSpc>
-                <a:spcPct val="120000"/>
-              </a:lnSpc>
-              <a:buFontTx/>
-              <a:buChar char="•"/>
-            </a:pPr>
-            <a:r>
-              <a:rPr lang="en-US" altLang="ja-JP" sz="2800" dirty="0">
-                <a:ea typeface="ＭＳ Ｐゴシック" charset="-128"/>
-              </a:rPr>
-              <a:t>Instead of using the number of cycles, we use the concept of loading time</a:t>
-            </a:r>
-            <a:r>
-              <a:rPr lang="en-US" altLang="ja-JP" sz="2800" dirty="0" smtClean="0">
-                <a:ea typeface="ＭＳ Ｐゴシック" charset="-128"/>
-              </a:rPr>
-              <a:t>. We also take </a:t>
-            </a:r>
-            <a:r>
-              <a:rPr lang="en-US" altLang="ja-JP" sz="2800" dirty="0">
-                <a:ea typeface="ＭＳ Ｐゴシック" charset="-128"/>
-              </a:rPr>
-              <a:t>into account the </a:t>
-            </a:r>
-            <a:r>
-              <a:rPr lang="en-US" altLang="ja-JP" sz="2800" dirty="0" smtClean="0">
-                <a:ea typeface="ＭＳ Ｐゴシック" charset="-128"/>
-              </a:rPr>
-              <a:t>nonlinearity </a:t>
-            </a:r>
-            <a:r>
-              <a:rPr lang="en-US" altLang="ja-JP" sz="2800" dirty="0">
-                <a:ea typeface="ＭＳ Ｐゴシック" charset="-128"/>
-              </a:rPr>
-              <a:t>of damage </a:t>
-            </a:r>
-            <a:r>
-              <a:rPr lang="en-US" altLang="ja-JP" sz="2800" dirty="0" smtClean="0">
-                <a:ea typeface="ＭＳ Ｐゴシック" charset="-128"/>
-              </a:rPr>
-              <a:t>accumulation.</a:t>
-            </a:r>
-            <a:endParaRPr lang="en-US" altLang="ja-JP" sz="2800" dirty="0">
-              <a:ea typeface="ＭＳ Ｐゴシック" charset="-128"/>
-            </a:endParaRPr>
-          </a:p>
-          <a:p>
-            <a:pPr marL="458787" lvl="1" indent="0">
-              <a:lnSpc>
-                <a:spcPct val="120000"/>
-              </a:lnSpc>
-            </a:pPr>
-            <a:endParaRPr lang="en-US" altLang="zh-CN" sz="2800" dirty="0">
-              <a:ea typeface="ＭＳ Ｐゴシック" charset="-128"/>
-            </a:endParaRPr>
-          </a:p>
-          <a:p>
-            <a:pPr lvl="1">
-              <a:lnSpc>
-                <a:spcPct val="120000"/>
-              </a:lnSpc>
-              <a:buFontTx/>
-              <a:buChar char="•"/>
-            </a:pPr>
-            <a:endParaRPr lang="en-US" altLang="zh-CN" sz="2800" dirty="0">
-              <a:ea typeface="SimSun" pitchFamily="2" charset="-122"/>
             </a:endParaRPr>
           </a:p>
         </p:txBody>
@@ -5407,7 +5490,7 @@
         </p:nvGrpSpPr>
         <p:grpSpPr>
           <a:xfrm>
-            <a:off x="1066799" y="19305653"/>
+            <a:off x="1037492" y="17758998"/>
             <a:ext cx="11007725" cy="946293"/>
             <a:chOff x="1066799" y="5958162"/>
             <a:chExt cx="11007725" cy="946293"/>
@@ -5766,7 +5849,7 @@
             </p:nvSpPr>
             <p:spPr bwMode="auto">
               <a:xfrm>
-                <a:off x="13270230" y="7073281"/>
+                <a:off x="13270230" y="7056738"/>
                 <a:ext cx="17350739" cy="18630741"/>
               </a:xfrm>
               <a:prstGeom prst="rect">
@@ -5914,6 +5997,12 @@
                   </a:rPr>
                   <a:t>scales </a:t>
                 </a:r>
+                <a:r>
+                  <a:rPr lang="en-US" altLang="ja-JP" sz="2800" b="1" dirty="0" smtClean="0">
+                    <a:ea typeface="ＭＳ Ｐゴシック" charset="-128"/>
+                  </a:rPr>
+                  <a:t>and cyclic loading analysis</a:t>
+                </a:r>
                 <a:endParaRPr lang="en-US" altLang="ja-JP" sz="2800" b="1" dirty="0">
                   <a:ea typeface="ＭＳ Ｐゴシック" charset="-128"/>
                 </a:endParaRPr>
@@ -6049,20 +6138,15 @@
                   <a:rPr lang="en-US" altLang="zh-CN" sz="2800" dirty="0">
                     <a:ea typeface="ＭＳ Ｐゴシック" charset="-128"/>
                   </a:rPr>
-                  <a:t>regime, in phase 2 and 4, there </a:t>
-                </a:r>
-                <a:r>
-                  <a:rPr lang="en-US" altLang="zh-CN" sz="2800" dirty="0">
-                    <a:ea typeface="ＭＳ Ｐゴシック" charset="-128"/>
-                  </a:rPr>
-                  <a:t>is </a:t>
+                  <a:t>regime, in phase 2 and 4, there is </a:t>
                 </a:r>
                 <a14:m>
                   <m:oMath xmlns:m="http://schemas.openxmlformats.org/officeDocument/2006/math">
                     <m:sSup>
                       <m:sSupPr>
                         <m:ctrlPr>
-                          <a:rPr lang="en-US" altLang="zh-CN" sz="2800">
+                          <a:rPr lang="en-US" altLang="zh-CN" sz="2800" i="1">
+                            <a:latin typeface="Cambria Math" panose="02040503050406030204" pitchFamily="18" charset="0"/>
                             <a:ea typeface="ＭＳ Ｐゴシック" charset="-128"/>
                           </a:rPr>
                         </m:ctrlPr>
@@ -6092,6 +6176,7 @@
                       <m:sup>
                         <m:r>
                           <a:rPr lang="en-US" altLang="zh-CN" sz="2800">
+                            <a:latin typeface="Cambria Math" panose="02040503050406030204" pitchFamily="18" charset="0"/>
                             <a:ea typeface="ＭＳ Ｐゴシック" charset="-128"/>
                           </a:rPr>
                           <m:t>𝑃</m:t>
@@ -6101,7 +6186,8 @@
                     <m:d>
                       <m:dPr>
                         <m:ctrlPr>
-                          <a:rPr lang="en-US" altLang="zh-CN" sz="2800">
+                          <a:rPr lang="en-US" altLang="zh-CN" sz="2800" i="1">
+                            <a:latin typeface="Cambria Math" panose="02040503050406030204" pitchFamily="18" charset="0"/>
                             <a:ea typeface="ＭＳ Ｐゴシック" charset="-128"/>
                           </a:rPr>
                         </m:ctrlPr>
@@ -6109,30 +6195,35 @@
                       <m:e>
                         <m:r>
                           <a:rPr lang="en-US" altLang="zh-CN" sz="2800">
+                            <a:latin typeface="Cambria Math" panose="02040503050406030204" pitchFamily="18" charset="0"/>
                             <a:ea typeface="ＭＳ Ｐゴシック" charset="-128"/>
                           </a:rPr>
                           <m:t>𝑠</m:t>
                         </m:r>
                         <m:r>
                           <a:rPr lang="en-US" altLang="zh-CN" sz="2800">
+                            <a:latin typeface="Cambria Math" panose="02040503050406030204" pitchFamily="18" charset="0"/>
                             <a:ea typeface="ＭＳ Ｐゴシック" charset="-128"/>
                           </a:rPr>
                           <m:t>,</m:t>
                         </m:r>
                         <m:r>
                           <a:rPr lang="en-US" altLang="zh-CN" sz="2800">
+                            <a:latin typeface="Cambria Math" panose="02040503050406030204" pitchFamily="18" charset="0"/>
                             <a:ea typeface="ＭＳ Ｐゴシック" charset="-128"/>
                           </a:rPr>
                           <m:t>𝑀</m:t>
                         </m:r>
                         <m:r>
                           <a:rPr lang="en-US" altLang="zh-CN" sz="2800">
+                            <a:latin typeface="Cambria Math" panose="02040503050406030204" pitchFamily="18" charset="0"/>
                             <a:ea typeface="ＭＳ Ｐゴシック" charset="-128"/>
                           </a:rPr>
                           <m:t>,</m:t>
                         </m:r>
                         <m:r>
                           <a:rPr lang="en-US" altLang="zh-CN" sz="2800">
+                            <a:latin typeface="Cambria Math" panose="02040503050406030204" pitchFamily="18" charset="0"/>
                             <a:ea typeface="ＭＳ Ｐゴシック" charset="-128"/>
                           </a:rPr>
                           <m:t>𝑡</m:t>
@@ -6141,6 +6232,7 @@
                     </m:d>
                     <m:r>
                       <a:rPr lang="en-US" altLang="zh-CN" sz="2800">
+                        <a:latin typeface="Cambria Math" panose="02040503050406030204" pitchFamily="18" charset="0"/>
                         <a:ea typeface="ＭＳ Ｐゴシック" charset="-128"/>
                       </a:rPr>
                       <m:t>=0</m:t>
@@ -6314,11 +6406,7 @@
                 </a:pPr>
                 <a:r>
                   <a:rPr lang="en-US" altLang="zh-CN" sz="2800" dirty="0"/>
-                  <a:t>Plastic </a:t>
-                </a:r>
-                <a:r>
-                  <a:rPr lang="en-US" altLang="zh-CN" sz="2800" dirty="0"/>
-                  <a:t>regime according to plastic flow rule, with increasing plastic deformation, in phase 5 and 1, there </a:t>
+                  <a:t>Plastic regime according to plastic flow rule, with increasing plastic deformation, in phase 5 and 1, there </a:t>
                 </a:r>
                 <a:r>
                   <a:rPr lang="en-US" altLang="zh-CN" sz="2800" dirty="0" smtClean="0"/>
@@ -7652,7 +7740,7 @@
             </p:nvSpPr>
             <p:spPr bwMode="auto">
               <a:xfrm>
-                <a:off x="13270230" y="7073281"/>
+                <a:off x="13270230" y="7056738"/>
                 <a:ext cx="17350739" cy="18630741"/>
               </a:xfrm>
               <a:prstGeom prst="rect">
@@ -8036,41 +8124,16 @@
                   <a:ea typeface="SimSun" pitchFamily="2" charset="-122"/>
                   <a:cs typeface="Lucida Sans" pitchFamily="34" charset="0"/>
                 </a:rPr>
-                <a:t>METHODS</a:t>
+                <a:t>ANALYTICAL PROCESSES</a:t>
               </a:r>
-              <a:r>
-                <a:rPr lang="en-US" altLang="zh-CN" sz="3200" b="1" dirty="0" smtClean="0">
-                  <a:solidFill>
-                    <a:schemeClr val="bg1"/>
-                  </a:solidFill>
-                  <a:latin typeface="Lucida Sans" pitchFamily="34" charset="0"/>
-                  <a:ea typeface="SimSun" pitchFamily="2" charset="-122"/>
-                  <a:cs typeface="Lucida Sans" pitchFamily="34" charset="0"/>
-                </a:rPr>
-                <a:t> </a:t>
-              </a:r>
-              <a:r>
-                <a:rPr lang="en-US" altLang="zh-CN" sz="4400" b="1" dirty="0" smtClean="0">
-                  <a:solidFill>
-                    <a:schemeClr val="bg1"/>
-                  </a:solidFill>
-                  <a:latin typeface="Lucida Sans" pitchFamily="34" charset="0"/>
-                  <a:ea typeface="SimSun" pitchFamily="2" charset="-122"/>
-                  <a:cs typeface="Lucida Sans" pitchFamily="34" charset="0"/>
-                </a:rPr>
-                <a:t>AND </a:t>
-              </a:r>
-              <a:r>
-                <a:rPr lang="en-US" altLang="zh-CN" sz="4400" b="1" dirty="0">
-                  <a:solidFill>
-                    <a:schemeClr val="bg1"/>
-                  </a:solidFill>
-                  <a:latin typeface="Lucida Sans" pitchFamily="34" charset="0"/>
-                  <a:ea typeface="SimSun" pitchFamily="2" charset="-122"/>
-                  <a:cs typeface="Lucida Sans" pitchFamily="34" charset="0"/>
-                </a:rPr>
-                <a:t>ANALYSIS</a:t>
-              </a:r>
+              <a:endParaRPr lang="en-US" altLang="zh-CN" sz="4400" b="1" dirty="0">
+                <a:solidFill>
+                  <a:schemeClr val="bg1"/>
+                </a:solidFill>
+                <a:latin typeface="Lucida Sans" pitchFamily="34" charset="0"/>
+                <a:ea typeface="SimSun" pitchFamily="2" charset="-122"/>
+                <a:cs typeface="Lucida Sans" pitchFamily="34" charset="0"/>
+              </a:endParaRPr>
             </a:p>
           </p:txBody>
         </p:sp>
@@ -8085,7 +8148,7 @@
         </p:nvSpPr>
         <p:spPr bwMode="auto">
           <a:xfrm>
-            <a:off x="31861536" y="28327920"/>
+            <a:off x="31908107" y="26579985"/>
             <a:ext cx="10890998" cy="4265783"/>
           </a:xfrm>
           <a:prstGeom prst="rect">
@@ -8227,31 +8290,7 @@
               <a:rPr lang="en-US" altLang="ja-JP" dirty="0">
                 <a:ea typeface="ＭＳ Ｐゴシック" charset="-128"/>
               </a:rPr>
-              <a:t>M. </a:t>
-            </a:r>
-            <a:r>
-              <a:rPr lang="en-US" altLang="ja-JP" dirty="0" err="1">
-                <a:ea typeface="ＭＳ Ｐゴシック" charset="-128"/>
-              </a:rPr>
-              <a:t>Maitournam</a:t>
-            </a:r>
-            <a:r>
-              <a:rPr lang="en-US" altLang="ja-JP" dirty="0">
-                <a:ea typeface="ＭＳ Ｐゴシック" charset="-128"/>
-              </a:rPr>
-              <a:t>, C. Krebs, A. </a:t>
-            </a:r>
-            <a:r>
-              <a:rPr lang="en-US" altLang="ja-JP" dirty="0" err="1">
-                <a:ea typeface="ＭＳ Ｐゴシック" charset="-128"/>
-              </a:rPr>
-              <a:t>Galtier</a:t>
-            </a:r>
-            <a:r>
-              <a:rPr lang="en-US" altLang="ja-JP" dirty="0">
-                <a:ea typeface="ＭＳ Ｐゴシック" charset="-128"/>
-              </a:rPr>
-              <a:t>, A multiscale fatigue life model for complex cyclic multiaxial loading, </a:t>
+              <a:t>M. Maitournam, C. Krebs, A. Galtier, A multiscale fatigue life model for complex cyclic multiaxial loading, </a:t>
             </a:r>
             <a:r>
               <a:rPr lang="en-US" altLang="ja-JP" dirty="0" smtClean="0">
@@ -8272,19 +8311,7 @@
               <a:rPr lang="en-US" altLang="ja-JP" dirty="0">
                 <a:ea typeface="ＭＳ Ｐゴシック" charset="-128"/>
               </a:rPr>
-              <a:t>S. </a:t>
-            </a:r>
-            <a:r>
-              <a:rPr lang="en-US" altLang="ja-JP" dirty="0" err="1">
-                <a:ea typeface="ＭＳ Ｐゴシック" charset="-128"/>
-              </a:rPr>
-              <a:t>Bosia</a:t>
-            </a:r>
-            <a:r>
-              <a:rPr lang="en-US" altLang="ja-JP" dirty="0">
-                <a:ea typeface="ＭＳ Ｐゴシック" charset="-128"/>
-              </a:rPr>
-              <a:t>, A. Constantinescu, Fast time-scale average for a mesoscopic high cycle fatigue criterion, International Journal </a:t>
+              <a:t>S. Bosia, A. Constantinescu, Fast time-scale average for a mesoscopic high cycle fatigue criterion, International Journal </a:t>
             </a:r>
             <a:r>
               <a:rPr lang="en-US" altLang="ja-JP" dirty="0" smtClean="0">
@@ -8305,19 +8332,7 @@
               <a:rPr lang="en-US" altLang="ja-JP" dirty="0">
                 <a:ea typeface="ＭＳ Ｐゴシック" charset="-128"/>
               </a:rPr>
-              <a:t>J. Lemaitre, J.-L. </a:t>
-            </a:r>
-            <a:r>
-              <a:rPr lang="en-US" altLang="ja-JP" dirty="0" err="1">
-                <a:ea typeface="ＭＳ Ｐゴシック" charset="-128"/>
-              </a:rPr>
-              <a:t>Chaboche</a:t>
-            </a:r>
-            <a:r>
-              <a:rPr lang="en-US" altLang="ja-JP" dirty="0">
-                <a:ea typeface="ＭＳ Ｐゴシック" charset="-128"/>
-              </a:rPr>
-              <a:t>, Mechanics of solid materials, Cambridge university press, 1990</a:t>
+              <a:t>J. Lemaitre, J.-L. Chaboche, Mechanics of solid materials, Cambridge university press, 1990</a:t>
             </a:r>
             <a:r>
               <a:rPr lang="en-US" altLang="ja-JP" dirty="0" smtClean="0">
@@ -8383,8 +8398,8 @@
         </p:nvSpPr>
         <p:spPr bwMode="auto">
           <a:xfrm>
-            <a:off x="420605" y="32371066"/>
-            <a:ext cx="11653919" cy="523220"/>
+            <a:off x="230512" y="31774847"/>
+            <a:ext cx="5978524" cy="954107"/>
           </a:xfrm>
           <a:prstGeom prst="rect">
             <a:avLst/>
@@ -8528,9 +8543,8 @@
             </a:lvl9pPr>
           </a:lstStyle>
           <a:p>
-            <a:pPr algn="r"/>
             <a:r>
-              <a:rPr lang="en-US" altLang="zh-CN" sz="2800" dirty="0">
+              <a:rPr lang="en-US" altLang="zh-CN" sz="2800" i="1" dirty="0" smtClean="0">
                 <a:effectLst>
                   <a:outerShdw blurRad="38100" dist="38100" dir="2700000" algn="tl">
                     <a:srgbClr val="C0C0C0"/>
@@ -8538,7 +8552,40 @@
                 </a:effectLst>
                 <a:ea typeface="SimSun" pitchFamily="2" charset="-122"/>
               </a:rPr>
-              <a:t>Email </a:t>
+              <a:t>Contact </a:t>
+            </a:r>
+            <a:r>
+              <a:rPr lang="en-US" altLang="zh-CN" sz="2800" i="1" dirty="0">
+                <a:effectLst>
+                  <a:outerShdw blurRad="38100" dist="38100" dir="2700000" algn="tl">
+                    <a:srgbClr val="C0C0C0"/>
+                  </a:outerShdw>
+                </a:effectLst>
+                <a:ea typeface="SimSun" pitchFamily="2" charset="-122"/>
+              </a:rPr>
+              <a:t>info </a:t>
+            </a:r>
+            <a:r>
+              <a:rPr lang="en-US" altLang="zh-CN" sz="2800" i="1" dirty="0" smtClean="0">
+                <a:effectLst>
+                  <a:outerShdw blurRad="38100" dist="38100" dir="2700000" algn="tl">
+                    <a:srgbClr val="C0C0C0"/>
+                  </a:outerShdw>
+                </a:effectLst>
+                <a:ea typeface="SimSun" pitchFamily="2" charset="-122"/>
+              </a:rPr>
+              <a:t>: </a:t>
+            </a:r>
+            <a:r>
+              <a:rPr lang="en-US" altLang="zh-CN" sz="2800" b="1" dirty="0" smtClean="0">
+                <a:effectLst>
+                  <a:outerShdw blurRad="38100" dist="38100" dir="2700000" algn="tl">
+                    <a:srgbClr val="C0C0C0"/>
+                  </a:outerShdw>
+                </a:effectLst>
+                <a:ea typeface="SimSun" pitchFamily="2" charset="-122"/>
+              </a:rPr>
+              <a:t>zepeng.ma@polytechnique.edu</a:t>
             </a:r>
             <a:r>
               <a:rPr lang="en-US" altLang="zh-CN" sz="2800" dirty="0" smtClean="0">
@@ -8549,40 +8596,7 @@
                 </a:effectLst>
                 <a:ea typeface="SimSun" pitchFamily="2" charset="-122"/>
               </a:rPr>
-              <a:t>: </a:t>
-            </a:r>
-            <a:r>
-              <a:rPr lang="en-US" altLang="zh-CN" sz="2800" dirty="0">
-                <a:effectLst>
-                  <a:outerShdw blurRad="38100" dist="38100" dir="2700000" algn="tl">
-                    <a:srgbClr val="C0C0C0"/>
-                  </a:outerShdw>
-                </a:effectLst>
-                <a:ea typeface="SimSun" pitchFamily="2" charset="-122"/>
-              </a:rPr>
-              <a:t>zepeng.ma@polytechnique.edu.  </a:t>
-            </a:r>
-            <a:r>
-              <a:rPr lang="en-US" altLang="zh-CN" sz="2800" dirty="0">
-                <a:effectLst>
-                  <a:outerShdw blurRad="38100" dist="38100" dir="2700000" algn="tl">
-                    <a:srgbClr val="C0C0C0"/>
-                  </a:outerShdw>
-                </a:effectLst>
-                <a:ea typeface="SimSun" pitchFamily="2" charset="-122"/>
-              </a:rPr>
-              <a:t>This research supported </a:t>
-            </a:r>
-            <a:r>
-              <a:rPr lang="en-US" altLang="zh-CN" sz="2800" dirty="0" smtClean="0">
-                <a:effectLst>
-                  <a:outerShdw blurRad="38100" dist="38100" dir="2700000" algn="tl">
-                    <a:srgbClr val="C0C0C0"/>
-                  </a:outerShdw>
-                </a:effectLst>
-                <a:ea typeface="SimSun" pitchFamily="2" charset="-122"/>
-              </a:rPr>
-              <a:t>by PSA group.</a:t>
+              <a:t>  </a:t>
             </a:r>
             <a:endParaRPr lang="zh-CN" altLang="en-US" sz="2800" dirty="0">
               <a:effectLst>
@@ -8607,7 +8621,7 @@
             </p:nvSpPr>
             <p:spPr bwMode="auto">
               <a:xfrm>
-                <a:off x="13346875" y="31153768"/>
+                <a:off x="13272366" y="31677960"/>
                 <a:ext cx="7922637" cy="1084656"/>
               </a:xfrm>
               <a:prstGeom prst="rect">
@@ -8764,6 +8778,7 @@
                         <a:lumMod val="50000"/>
                       </a:schemeClr>
                     </a:solidFill>
+                    <a:latin typeface="+mn-lt"/>
                   </a:rPr>
                   <a:t>Figure </a:t>
                 </a:r>
@@ -8774,6 +8789,7 @@
                         <a:lumMod val="50000"/>
                       </a:schemeClr>
                     </a:solidFill>
+                    <a:latin typeface="+mn-lt"/>
                   </a:rPr>
                   <a:t>1: </a:t>
                 </a:r>
@@ -8788,7 +8804,7 @@
                                 <a:lumMod val="50000"/>
                               </a:schemeClr>
                             </a:solidFill>
-                            <a:latin typeface="Arial"/>
+                            <a:latin typeface="+mn-lt"/>
                           </a:rPr>
                         </m:ctrlPr>
                       </m:sSubPr>
@@ -8802,7 +8818,7 @@
                                     <a:lumMod val="50000"/>
                                   </a:schemeClr>
                                 </a:solidFill>
-                                <a:latin typeface="Arial"/>
+                                <a:latin typeface="+mn-lt"/>
                               </a:rPr>
                             </m:ctrlPr>
                           </m:dPr>
@@ -8816,7 +8832,7 @@
                                         <a:lumMod val="50000"/>
                                       </a:schemeClr>
                                     </a:solidFill>
-                                    <a:latin typeface="Arial"/>
+                                    <a:latin typeface="+mn-lt"/>
                                   </a:rPr>
                                 </m:ctrlPr>
                               </m:barPr>
@@ -8830,19 +8846,19 @@
                                             <a:lumMod val="50000"/>
                                           </a:schemeClr>
                                         </a:solidFill>
-                                        <a:latin typeface="Arial"/>
+                                        <a:latin typeface="+mn-lt"/>
                                       </a:rPr>
                                     </m:ctrlPr>
                                   </m:barPr>
                                   <m:e>
                                     <m:r>
-                                      <a:rPr lang="en-US" altLang="zh-CN" i="1">
+                                      <a:rPr lang="en-US" altLang="zh-CN" b="0" i="1">
                                         <a:solidFill>
                                           <a:schemeClr val="accent2">
                                             <a:lumMod val="50000"/>
                                           </a:schemeClr>
                                         </a:solidFill>
-                                        <a:latin typeface="Arial"/>
+                                        <a:latin typeface="+mn-lt"/>
                                       </a:rPr>
                                       <m:t>𝑆</m:t>
                                     </m:r>
@@ -8851,13 +8867,13 @@
                               </m:e>
                             </m:bar>
                             <m:r>
-                              <a:rPr lang="en-US" altLang="zh-CN" i="1">
+                              <a:rPr lang="en-US" altLang="zh-CN" b="0" i="1">
                                 <a:solidFill>
                                   <a:schemeClr val="accent2">
                                     <a:lumMod val="50000"/>
                                   </a:schemeClr>
                                 </a:solidFill>
-                                <a:latin typeface="Arial"/>
+                                <a:latin typeface="+mn-lt"/>
                               </a:rPr>
                               <m:t>−</m:t>
                             </m:r>
@@ -8870,7 +8886,7 @@
                                         <a:lumMod val="50000"/>
                                       </a:schemeClr>
                                     </a:solidFill>
-                                    <a:latin typeface="Arial"/>
+                                    <a:latin typeface="+mn-lt"/>
                                   </a:rPr>
                                 </m:ctrlPr>
                               </m:barPr>
@@ -8884,19 +8900,19 @@
                                             <a:lumMod val="50000"/>
                                           </a:schemeClr>
                                         </a:solidFill>
-                                        <a:latin typeface="Arial"/>
+                                        <a:latin typeface="+mn-lt"/>
                                       </a:rPr>
                                     </m:ctrlPr>
                                   </m:barPr>
                                   <m:e>
                                     <m:r>
-                                      <a:rPr lang="en-US" altLang="zh-CN" i="1">
+                                      <a:rPr lang="en-US" altLang="zh-CN" b="0" i="1">
                                         <a:solidFill>
                                           <a:schemeClr val="accent2">
                                             <a:lumMod val="50000"/>
                                           </a:schemeClr>
                                         </a:solidFill>
-                                        <a:latin typeface="Arial"/>
+                                        <a:latin typeface="+mn-lt"/>
                                       </a:rPr>
                                       <m:t>𝑏</m:t>
                                     </m:r>
@@ -8909,13 +8925,13 @@
                       </m:e>
                       <m:sub>
                         <m:r>
-                          <a:rPr lang="en-US" altLang="zh-CN" i="1">
+                          <a:rPr lang="en-US" altLang="zh-CN" b="0" i="1">
                             <a:solidFill>
                               <a:schemeClr val="accent2">
                                 <a:lumMod val="50000"/>
                               </a:schemeClr>
                             </a:solidFill>
-                            <a:latin typeface="Arial"/>
+                            <a:latin typeface="+mn-lt"/>
                           </a:rPr>
                           <m:t>𝑡𝑟𝑖𝑎𝑙</m:t>
                         </m:r>
@@ -8930,7 +8946,7 @@
                         <a:lumMod val="50000"/>
                       </a:schemeClr>
                     </a:solidFill>
-                    <a:latin typeface="Arial"/>
+                    <a:latin typeface="+mn-lt"/>
                   </a:rPr>
                   <a:t> </a:t>
                 </a:r>
@@ -8941,7 +8957,7 @@
                         <a:lumMod val="50000"/>
                       </a:schemeClr>
                     </a:solidFill>
-                    <a:latin typeface="Arial"/>
+                    <a:latin typeface="+mn-lt"/>
                   </a:rPr>
                   <a:t>and </a:t>
                 </a:r>
@@ -8956,7 +8972,7 @@
                                 <a:lumMod val="50000"/>
                               </a:schemeClr>
                             </a:solidFill>
-                            <a:latin typeface="Cambria Math" panose="02040503050406030204" pitchFamily="18" charset="0"/>
+                            <a:latin typeface="+mn-lt"/>
                           </a:rPr>
                         </m:ctrlPr>
                       </m:dPr>
@@ -8970,7 +8986,7 @@
                                     <a:lumMod val="50000"/>
                                   </a:schemeClr>
                                 </a:solidFill>
-                                <a:latin typeface="Cambria Math" panose="02040503050406030204" pitchFamily="18" charset="0"/>
+                                <a:latin typeface="+mn-lt"/>
                               </a:rPr>
                             </m:ctrlPr>
                           </m:barPr>
@@ -8984,19 +9000,19 @@
                                         <a:lumMod val="50000"/>
                                       </a:schemeClr>
                                     </a:solidFill>
-                                    <a:latin typeface="Cambria Math" panose="02040503050406030204" pitchFamily="18" charset="0"/>
+                                    <a:latin typeface="+mn-lt"/>
                                   </a:rPr>
                                 </m:ctrlPr>
                               </m:barPr>
                               <m:e>
                                 <m:r>
-                                  <a:rPr lang="en-US" altLang="zh-CN" i="1">
+                                  <a:rPr lang="en-US" altLang="zh-CN" b="0" i="1">
                                     <a:solidFill>
                                       <a:schemeClr val="accent2">
                                         <a:lumMod val="50000"/>
                                       </a:schemeClr>
                                     </a:solidFill>
-                                    <a:latin typeface="Cambria Math" panose="02040503050406030204" pitchFamily="18" charset="0"/>
+                                    <a:latin typeface="+mn-lt"/>
                                   </a:rPr>
                                   <m:t>𝑆</m:t>
                                 </m:r>
@@ -9005,13 +9021,13 @@
                           </m:e>
                         </m:bar>
                         <m:r>
-                          <a:rPr lang="en-US" altLang="zh-CN" i="1">
+                          <a:rPr lang="en-US" altLang="zh-CN" b="0" i="1">
                             <a:solidFill>
                               <a:schemeClr val="accent2">
                                 <a:lumMod val="50000"/>
                               </a:schemeClr>
                             </a:solidFill>
-                            <a:latin typeface="Cambria Math" panose="02040503050406030204" pitchFamily="18" charset="0"/>
+                            <a:latin typeface="+mn-lt"/>
                           </a:rPr>
                           <m:t>−</m:t>
                         </m:r>
@@ -9024,7 +9040,7 @@
                                     <a:lumMod val="50000"/>
                                   </a:schemeClr>
                                 </a:solidFill>
-                                <a:latin typeface="Cambria Math" panose="02040503050406030204" pitchFamily="18" charset="0"/>
+                                <a:latin typeface="+mn-lt"/>
                               </a:rPr>
                             </m:ctrlPr>
                           </m:barPr>
@@ -9038,19 +9054,19 @@
                                         <a:lumMod val="50000"/>
                                       </a:schemeClr>
                                     </a:solidFill>
-                                    <a:latin typeface="Cambria Math" panose="02040503050406030204" pitchFamily="18" charset="0"/>
+                                    <a:latin typeface="+mn-lt"/>
                                   </a:rPr>
                                 </m:ctrlPr>
                               </m:barPr>
                               <m:e>
                                 <m:r>
-                                  <a:rPr lang="en-US" altLang="zh-CN" i="1">
+                                  <a:rPr lang="en-US" altLang="zh-CN" b="0" i="1">
                                     <a:solidFill>
                                       <a:schemeClr val="accent2">
                                         <a:lumMod val="50000"/>
                                       </a:schemeClr>
                                     </a:solidFill>
-                                    <a:latin typeface="Cambria Math" panose="02040503050406030204" pitchFamily="18" charset="0"/>
+                                    <a:latin typeface="+mn-lt"/>
                                   </a:rPr>
                                   <m:t>𝑏</m:t>
                                 </m:r>
@@ -9069,7 +9085,7 @@
                         <a:lumMod val="50000"/>
                       </a:schemeClr>
                     </a:solidFill>
-                    <a:latin typeface="Arial"/>
+                    <a:latin typeface="+mn-lt"/>
                   </a:rPr>
                   <a:t> </a:t>
                 </a:r>
@@ -9080,7 +9096,7 @@
                         <a:lumMod val="50000"/>
                       </a:schemeClr>
                     </a:solidFill>
-                    <a:latin typeface="Arial"/>
+                    <a:latin typeface="+mn-lt"/>
                   </a:rPr>
                   <a:t>evolution with time under different weakening scales in sinusoidal load</a:t>
                 </a:r>
@@ -9091,7 +9107,7 @@
                         <a:lumMod val="50000"/>
                       </a:schemeClr>
                     </a:solidFill>
-                    <a:latin typeface="Arial"/>
+                    <a:latin typeface="+mn-lt"/>
                   </a:rPr>
                   <a:t>.</a:t>
                 </a:r>
@@ -9101,7 +9117,7 @@
                       <a:lumMod val="50000"/>
                     </a:schemeClr>
                   </a:solidFill>
-                  <a:latin typeface="Arial"/>
+                  <a:latin typeface="+mn-lt"/>
                 </a:endParaRPr>
               </a:p>
             </p:txBody>
@@ -9118,7 +9134,7 @@
             </p:nvSpPr>
             <p:spPr bwMode="auto">
               <a:xfrm>
-                <a:off x="13346875" y="31153768"/>
+                <a:off x="13272366" y="31677960"/>
                 <a:ext cx="7922637" cy="1084656"/>
               </a:xfrm>
               <a:prstGeom prst="rect">
@@ -9127,7 +9143,7 @@
               <a:blipFill>
                 <a:blip r:embed="rId5"/>
                 <a:stretch>
-                  <a:fillRect l="-2385" r="-2769" b="-15819"/>
+                  <a:fillRect l="-2385" b="-15254"/>
                 </a:stretch>
               </a:blipFill>
               <a:ln>
@@ -9540,7 +9556,7 @@
         </p:nvGrpSpPr>
         <p:grpSpPr>
           <a:xfrm>
-            <a:off x="31870153" y="21085723"/>
+            <a:off x="31845982" y="20715887"/>
             <a:ext cx="11007725" cy="946293"/>
             <a:chOff x="1066799" y="5958162"/>
             <a:chExt cx="11007725" cy="946293"/>
@@ -9895,7 +9911,7 @@
         </p:nvGrpSpPr>
         <p:grpSpPr>
           <a:xfrm>
-            <a:off x="31886684" y="27289403"/>
+            <a:off x="31859948" y="25506477"/>
             <a:ext cx="11007725" cy="946293"/>
             <a:chOff x="1066799" y="5958162"/>
             <a:chExt cx="11007725" cy="946293"/>
@@ -10264,8 +10280,8 @@
         </p:blipFill>
         <p:spPr>
           <a:xfrm>
-            <a:off x="22125161" y="8364437"/>
-            <a:ext cx="6830839" cy="4516471"/>
+            <a:off x="22125159" y="8170148"/>
+            <a:ext cx="7288041" cy="4818768"/>
           </a:xfrm>
           <a:prstGeom prst="rect">
             <a:avLst/>
@@ -10294,8 +10310,8 @@
         </p:blipFill>
         <p:spPr>
           <a:xfrm>
-            <a:off x="13639801" y="8464658"/>
-            <a:ext cx="8159749" cy="4157202"/>
+            <a:off x="13413363" y="8464658"/>
+            <a:ext cx="8694151" cy="4157202"/>
           </a:xfrm>
           <a:prstGeom prst="rect">
             <a:avLst/>
@@ -10387,7 +10403,7 @@
           <a:graphicData uri="http://schemas.openxmlformats.org/presentationml/2006/ole">
             <mc:AlternateContent xmlns:mc="http://schemas.openxmlformats.org/markup-compatibility/2006">
               <mc:Choice xmlns:v="urn:schemas-microsoft-com:vml" Requires="v">
-                <p:oleObj spid="_x0000_s1114" name="公式" r:id="rId8" imgW="710891" imgH="203112" progId="Equation.3">
+                <p:oleObj spid="_x0000_s1159" name="公式" r:id="rId8" imgW="710891" imgH="203112" progId="Equation.3">
                   <p:embed/>
                 </p:oleObj>
               </mc:Choice>
@@ -10517,7 +10533,7 @@
           <a:graphicData uri="http://schemas.openxmlformats.org/presentationml/2006/ole">
             <mc:AlternateContent xmlns:mc="http://schemas.openxmlformats.org/markup-compatibility/2006">
               <mc:Choice xmlns:v="urn:schemas-microsoft-com:vml" Requires="v">
-                <p:oleObj spid="_x0000_s1115" name="公式" r:id="rId10" imgW="876300" imgH="228600" progId="Equation.3">
+                <p:oleObj spid="_x0000_s1160" name="公式" r:id="rId10" imgW="876300" imgH="228600" progId="Equation.3">
                   <p:embed/>
                 </p:oleObj>
               </mc:Choice>
@@ -10562,32 +10578,6 @@
           </a:graphicData>
         </a:graphic>
       </p:graphicFrame>
-      <p:sp>
-        <p:nvSpPr>
-          <p:cNvPr id="83" name="文本框 82"/>
-          <p:cNvSpPr txBox="1"/>
-          <p:nvPr/>
-        </p:nvSpPr>
-        <p:spPr>
-          <a:xfrm>
-            <a:off x="7162800" y="18211800"/>
-            <a:ext cx="1524000" cy="461665"/>
-          </a:xfrm>
-          <a:prstGeom prst="rect">
-            <a:avLst/>
-          </a:prstGeom>
-          <a:noFill/>
-        </p:spPr>
-        <p:txBody>
-          <a:bodyPr wrap="square" rtlCol="0">
-            <a:spAutoFit/>
-          </a:bodyPr>
-          <a:lstStyle/>
-          <a:p>
-            <a:endParaRPr lang="zh-CN" altLang="en-US" dirty="0"/>
-          </a:p>
-        </p:txBody>
-      </p:sp>
       <p:graphicFrame>
         <p:nvGraphicFramePr>
           <p:cNvPr id="100" name="对象 99"/>
@@ -10610,7 +10600,7 @@
           <a:graphicData uri="http://schemas.openxmlformats.org/presentationml/2006/ole">
             <mc:AlternateContent xmlns:mc="http://schemas.openxmlformats.org/markup-compatibility/2006">
               <mc:Choice xmlns:v="urn:schemas-microsoft-com:vml" Requires="v">
-                <p:oleObj spid="_x0000_s1116" name="Equation" r:id="rId12" imgW="914400" imgH="179640" progId="Equation.DSMT4">
+                <p:oleObj spid="_x0000_s1161" name="Equation" r:id="rId12" imgW="914400" imgH="179640" progId="Equation.DSMT4">
                   <p:embed/>
                 </p:oleObj>
               </mc:Choice>
@@ -10735,66 +10725,6 @@
           </a:prstGeom>
         </p:spPr>
       </p:pic>
-      <p:pic>
-        <p:nvPicPr>
-          <p:cNvPr id="111" name="图片 110"/>
-          <p:cNvPicPr>
-            <a:picLocks noChangeAspect="1"/>
-          </p:cNvPicPr>
-          <p:nvPr/>
-        </p:nvPicPr>
-        <p:blipFill>
-          <a:blip r:embed="rId17">
-            <a:extLst>
-              <a:ext uri="{28A0092B-C50C-407E-A947-70E740481C1C}">
-                <a14:useLocalDpi xmlns:a14="http://schemas.microsoft.com/office/drawing/2010/main" val="0"/>
-              </a:ext>
-            </a:extLst>
-          </a:blip>
-          <a:stretch>
-            <a:fillRect/>
-          </a:stretch>
-        </p:blipFill>
-        <p:spPr>
-          <a:xfrm>
-            <a:off x="13261407" y="26626634"/>
-            <a:ext cx="8859841" cy="4605819"/>
-          </a:xfrm>
-          <a:prstGeom prst="rect">
-            <a:avLst/>
-          </a:prstGeom>
-        </p:spPr>
-      </p:pic>
-      <p:pic>
-        <p:nvPicPr>
-          <p:cNvPr id="112" name="图片 111"/>
-          <p:cNvPicPr>
-            <a:picLocks noChangeAspect="1"/>
-          </p:cNvPicPr>
-          <p:nvPr/>
-        </p:nvPicPr>
-        <p:blipFill>
-          <a:blip r:embed="rId18">
-            <a:extLst>
-              <a:ext uri="{28A0092B-C50C-407E-A947-70E740481C1C}">
-                <a14:useLocalDpi xmlns:a14="http://schemas.microsoft.com/office/drawing/2010/main" val="0"/>
-              </a:ext>
-            </a:extLst>
-          </a:blip>
-          <a:stretch>
-            <a:fillRect/>
-          </a:stretch>
-        </p:blipFill>
-        <p:spPr>
-          <a:xfrm>
-            <a:off x="21835876" y="26592655"/>
-            <a:ext cx="8872724" cy="4639798"/>
-          </a:xfrm>
-          <a:prstGeom prst="rect">
-            <a:avLst/>
-          </a:prstGeom>
-        </p:spPr>
-      </p:pic>
       <p:grpSp>
         <p:nvGrpSpPr>
           <p:cNvPr id="113" name="Group 48"/>
@@ -10803,7 +10733,7 @@
         </p:nvGrpSpPr>
         <p:grpSpPr>
           <a:xfrm>
-            <a:off x="13270230" y="25577286"/>
+            <a:off x="13270230" y="25765155"/>
             <a:ext cx="17368386" cy="947828"/>
             <a:chOff x="1066799" y="5958162"/>
             <a:chExt cx="11007725" cy="947828"/>
@@ -11147,66 +11077,6 @@
           </p:txBody>
         </p:sp>
       </p:grpSp>
-      <p:pic>
-        <p:nvPicPr>
-          <p:cNvPr id="116" name="图片 115"/>
-          <p:cNvPicPr>
-            <a:picLocks noChangeAspect="1"/>
-          </p:cNvPicPr>
-          <p:nvPr/>
-        </p:nvPicPr>
-        <p:blipFill>
-          <a:blip r:embed="rId19">
-            <a:extLst>
-              <a:ext uri="{28A0092B-C50C-407E-A947-70E740481C1C}">
-                <a14:useLocalDpi xmlns:a14="http://schemas.microsoft.com/office/drawing/2010/main" val="0"/>
-              </a:ext>
-            </a:extLst>
-          </a:blip>
-          <a:stretch>
-            <a:fillRect/>
-          </a:stretch>
-        </p:blipFill>
-        <p:spPr>
-          <a:xfrm>
-            <a:off x="31965105" y="14175084"/>
-            <a:ext cx="10966787" cy="5630502"/>
-          </a:xfrm>
-          <a:prstGeom prst="rect">
-            <a:avLst/>
-          </a:prstGeom>
-        </p:spPr>
-      </p:pic>
-      <p:pic>
-        <p:nvPicPr>
-          <p:cNvPr id="117" name="图片 116"/>
-          <p:cNvPicPr>
-            <a:picLocks noChangeAspect="1"/>
-          </p:cNvPicPr>
-          <p:nvPr/>
-        </p:nvPicPr>
-        <p:blipFill>
-          <a:blip r:embed="rId20">
-            <a:extLst>
-              <a:ext uri="{28A0092B-C50C-407E-A947-70E740481C1C}">
-                <a14:useLocalDpi xmlns:a14="http://schemas.microsoft.com/office/drawing/2010/main" val="0"/>
-              </a:ext>
-            </a:extLst>
-          </a:blip>
-          <a:stretch>
-            <a:fillRect/>
-          </a:stretch>
-        </p:blipFill>
-        <p:spPr>
-          <a:xfrm>
-            <a:off x="31932042" y="7016914"/>
-            <a:ext cx="10917011" cy="5604946"/>
-          </a:xfrm>
-          <a:prstGeom prst="rect">
-            <a:avLst/>
-          </a:prstGeom>
-        </p:spPr>
-      </p:pic>
       <p:sp>
         <p:nvSpPr>
           <p:cNvPr id="119" name="Text Box 263"/>
@@ -11217,16 +11087,16 @@
         </p:nvSpPr>
         <p:spPr bwMode="auto">
           <a:xfrm>
-            <a:off x="31861536" y="22123733"/>
-            <a:ext cx="10906873" cy="5073953"/>
+            <a:off x="31859948" y="21702075"/>
+            <a:ext cx="10906873" cy="3508653"/>
           </a:xfrm>
           <a:prstGeom prst="rect">
             <a:avLst/>
           </a:prstGeom>
           <a:solidFill>
             <a:schemeClr val="accent3">
-              <a:lumMod val="40000"/>
-              <a:lumOff val="60000"/>
+              <a:lumMod val="20000"/>
+              <a:lumOff val="80000"/>
             </a:schemeClr>
           </a:solidFill>
           <a:ln w="57150" cmpd="thinThick">
@@ -11341,10 +11211,84 @@
             </a:lvl9pPr>
           </a:lstStyle>
           <a:p>
-            <a:pPr>
+            <a:pPr marL="514350" indent="-514350">
               <a:lnSpc>
                 <a:spcPct val="125000"/>
               </a:lnSpc>
+              <a:buFont typeface="+mj-lt"/>
+              <a:buAutoNum type="arabicPeriod"/>
+            </a:pPr>
+            <a:r>
+              <a:rPr lang="en-US" altLang="ja-JP" sz="2800" dirty="0">
+                <a:ea typeface="ＭＳ Ｐゴシック" charset="-128"/>
+              </a:rPr>
+              <a:t>We work on the stress tensor directly in 3D analysis in stead of using </a:t>
+            </a:r>
+            <a:r>
+              <a:rPr lang="en-US" altLang="ja-JP" sz="2800" dirty="0" smtClean="0">
+                <a:ea typeface="ＭＳ Ｐゴシック" charset="-128"/>
+              </a:rPr>
+              <a:t>the multidimensional </a:t>
+            </a:r>
+            <a:r>
+              <a:rPr lang="en-US" altLang="ja-JP" sz="2800" dirty="0">
+                <a:ea typeface="ＭＳ Ｐゴシック" charset="-128"/>
+              </a:rPr>
+              <a:t>equivalent stress</a:t>
+            </a:r>
+            <a:r>
+              <a:rPr lang="en-US" altLang="ja-JP" sz="2800" dirty="0" smtClean="0">
+                <a:ea typeface="ＭＳ Ｐゴシック" charset="-128"/>
+              </a:rPr>
+              <a:t>.</a:t>
+            </a:r>
+          </a:p>
+          <a:p>
+            <a:pPr marL="514350" indent="-514350">
+              <a:lnSpc>
+                <a:spcPct val="125000"/>
+              </a:lnSpc>
+              <a:buFont typeface="+mj-lt"/>
+              <a:buAutoNum type="arabicPeriod"/>
+            </a:pPr>
+            <a:r>
+              <a:rPr lang="en-US" altLang="ja-JP" sz="2800" dirty="0" smtClean="0">
+                <a:ea typeface="ＭＳ Ｐゴシック" charset="-128"/>
+              </a:rPr>
+              <a:t>This </a:t>
+            </a:r>
+            <a:r>
+              <a:rPr lang="en-US" altLang="ja-JP" sz="2800" dirty="0">
+                <a:ea typeface="ＭＳ Ｐゴシック" charset="-128"/>
+              </a:rPr>
+              <a:t>approach takes into account impurities and hardness </a:t>
+            </a:r>
+            <a:r>
+              <a:rPr lang="en-US" altLang="ja-JP" sz="2800" dirty="0" smtClean="0">
+                <a:ea typeface="ＭＳ Ｐゴシック" charset="-128"/>
+              </a:rPr>
+              <a:t>in the </a:t>
+            </a:r>
+            <a:r>
+              <a:rPr lang="en-US" altLang="ja-JP" sz="2800" dirty="0">
+                <a:ea typeface="ＭＳ Ｐゴシック" charset="-128"/>
+              </a:rPr>
+              <a:t>material and is applicable to any </a:t>
+            </a:r>
+            <a:r>
+              <a:rPr lang="en-US" altLang="ja-JP" sz="2800" dirty="0" smtClean="0">
+                <a:ea typeface="ＭＳ Ｐゴシック" charset="-128"/>
+              </a:rPr>
+              <a:t>multiaxial load geometry. </a:t>
+            </a:r>
+          </a:p>
+          <a:p>
+            <a:pPr marL="514350" indent="-514350">
+              <a:lnSpc>
+                <a:spcPct val="125000"/>
+              </a:lnSpc>
+              <a:buFont typeface="+mj-lt"/>
+              <a:buAutoNum type="arabicPeriod"/>
             </a:pPr>
             <a:r>
               <a:rPr lang="en-US" altLang="ja-JP" sz="2800" dirty="0" smtClean="0">
@@ -11356,20 +11300,20 @@
               <a:rPr lang="en-US" altLang="ja-JP" sz="2800" dirty="0">
                 <a:ea typeface="ＭＳ Ｐゴシック" charset="-128"/>
               </a:rPr>
-              <a:t>strategy can be made more complex by introducing a local space averaging process in the calculation of the local damage, and by taking more general plastic flows. The energy based fatigue approach takes into account impurities and hardness in the material which affect the fatigue life. The load sequence effects for complex multiaxial loading history are included in damage accumulation process. The small step-by-step strategy does not ignore small fluctuations in the load history. In addition, it can take into account any type of micro plasticity law and multiaxial load geometry</a:t>
+              <a:t>small step-by-step strategy does not ignore small fluctuations in load </a:t>
             </a:r>
             <a:r>
               <a:rPr lang="en-US" altLang="ja-JP" sz="2800" dirty="0" smtClean="0">
                 <a:ea typeface="ＭＳ Ｐゴシック" charset="-128"/>
               </a:rPr>
-              <a:t>.</a:t>
+              <a:t>history.</a:t>
             </a:r>
             <a:endParaRPr lang="en-AU" sz="2800" dirty="0"/>
           </a:p>
         </p:txBody>
       </p:sp>
-      <mc:AlternateContent xmlns:mc="http://schemas.openxmlformats.org/markup-compatibility/2006">
-        <mc:Choice xmlns:a14="http://schemas.microsoft.com/office/drawing/2010/main" Requires="a14">
+      <mc:AlternateContent xmlns:mc="http://schemas.openxmlformats.org/markup-compatibility/2006" xmlns:a14="http://schemas.microsoft.com/office/drawing/2010/main">
+        <mc:Choice Requires="a14">
           <p:sp>
             <p:nvSpPr>
               <p:cNvPr id="121" name="Text Box 265"/>
@@ -11380,8 +11324,8 @@
             </p:nvSpPr>
             <p:spPr bwMode="auto">
               <a:xfrm>
-                <a:off x="31927800" y="19808560"/>
-                <a:ext cx="10883948" cy="1084656"/>
+                <a:off x="31836518" y="19755984"/>
+                <a:ext cx="10883948" cy="990528"/>
               </a:xfrm>
               <a:prstGeom prst="rect">
                 <a:avLst/>
@@ -11572,16 +11516,6 @@
                 </a:r>
                 <a14:m>
                   <m:oMath xmlns:m="http://schemas.openxmlformats.org/officeDocument/2006/math">
-                    <m:r>
-                      <a:rPr lang="en-US" altLang="zh-CN" i="1">
-                        <a:solidFill>
-                          <a:schemeClr val="accent2">
-                            <a:lumMod val="50000"/>
-                          </a:schemeClr>
-                        </a:solidFill>
-                      </a:rPr>
-                      <m:t> </m:t>
-                    </m:r>
                     <m:sSub>
                       <m:sSubPr>
                         <m:ctrlPr>
@@ -11591,12 +11525,26 @@
                                 <a:lumMod val="50000"/>
                               </a:schemeClr>
                             </a:solidFill>
+                            <a:latin typeface="Cambria Math" panose="02040503050406030204" pitchFamily="18" charset="0"/>
                           </a:rPr>
                         </m:ctrlPr>
                       </m:sSubPr>
                       <m:e>
+                        <m:r>
+                          <a:rPr lang="en-US" altLang="zh-CN" i="1">
+                            <a:solidFill>
+                              <a:schemeClr val="accent2">
+                                <a:lumMod val="50000"/>
+                              </a:schemeClr>
+                            </a:solidFill>
+                            <a:latin typeface="Cambria Math" panose="02040503050406030204" pitchFamily="18" charset="0"/>
+                          </a:rPr>
+                          <m:t>|</m:t>
+                        </m:r>
                         <m:d>
                           <m:dPr>
+                            <m:begChr m:val=""/>
+                            <m:endChr m:val=""/>
                             <m:ctrlPr>
                               <a:rPr lang="en-US" altLang="zh-CN" i="1">
                                 <a:solidFill>
@@ -11604,12 +11552,15 @@
                                     <a:lumMod val="50000"/>
                                   </a:schemeClr>
                                 </a:solidFill>
+                                <a:latin typeface="Cambria Math" panose="02040503050406030204" pitchFamily="18" charset="0"/>
                               </a:rPr>
                             </m:ctrlPr>
                           </m:dPr>
                           <m:e>
-                            <m:bar>
-                              <m:barPr>
+                            <m:d>
+                              <m:dPr>
+                                <m:begChr m:val=""/>
+                                <m:endChr m:val=""/>
                                 <m:ctrlPr>
                                   <a:rPr lang="en-US" altLang="zh-CN" i="1">
                                     <a:solidFill>
@@ -11617,9 +11568,10 @@
                                         <a:lumMod val="50000"/>
                                       </a:schemeClr>
                                     </a:solidFill>
+                                    <a:latin typeface="Cambria Math" panose="02040503050406030204" pitchFamily="18" charset="0"/>
                                   </a:rPr>
                                 </m:ctrlPr>
-                              </m:barPr>
+                              </m:dPr>
                               <m:e>
                                 <m:bar>
                                   <m:barPr>
@@ -11630,47 +11582,51 @@
                                             <a:lumMod val="50000"/>
                                           </a:schemeClr>
                                         </a:solidFill>
+                                        <a:latin typeface="Cambria Math" panose="02040503050406030204" pitchFamily="18" charset="0"/>
                                       </a:rPr>
                                     </m:ctrlPr>
                                   </m:barPr>
                                   <m:e>
-                                    <m:r>
-                                      <a:rPr lang="en-US" altLang="zh-CN" i="1">
-                                        <a:solidFill>
-                                          <a:schemeClr val="accent2">
-                                            <a:lumMod val="50000"/>
-                                          </a:schemeClr>
-                                        </a:solidFill>
-                                      </a:rPr>
-                                      <m:t>𝑆</m:t>
-                                    </m:r>
+                                    <m:bar>
+                                      <m:barPr>
+                                        <m:ctrlPr>
+                                          <a:rPr lang="en-US" altLang="zh-CN" i="1">
+                                            <a:solidFill>
+                                              <a:schemeClr val="accent2">
+                                                <a:lumMod val="50000"/>
+                                              </a:schemeClr>
+                                            </a:solidFill>
+                                            <a:latin typeface="Cambria Math" panose="02040503050406030204" pitchFamily="18" charset="0"/>
+                                          </a:rPr>
+                                        </m:ctrlPr>
+                                      </m:barPr>
+                                      <m:e>
+                                        <m:r>
+                                          <a:rPr lang="en-US" altLang="zh-CN" i="1">
+                                            <a:solidFill>
+                                              <a:schemeClr val="accent2">
+                                                <a:lumMod val="50000"/>
+                                              </a:schemeClr>
+                                            </a:solidFill>
+                                            <a:latin typeface="Cambria Math" panose="02040503050406030204" pitchFamily="18" charset="0"/>
+                                          </a:rPr>
+                                          <m:t>𝑆</m:t>
+                                        </m:r>
+                                      </m:e>
+                                    </m:bar>
                                   </m:e>
                                 </m:bar>
-                              </m:e>
-                            </m:bar>
-                            <m:r>
-                              <a:rPr lang="en-US" altLang="zh-CN" i="1">
-                                <a:solidFill>
-                                  <a:schemeClr val="accent2">
-                                    <a:lumMod val="50000"/>
-                                  </a:schemeClr>
-                                </a:solidFill>
-                              </a:rPr>
-                              <m:t>−</m:t>
-                            </m:r>
-                            <m:bar>
-                              <m:barPr>
-                                <m:ctrlPr>
+                                <m:r>
                                   <a:rPr lang="en-US" altLang="zh-CN" i="1">
                                     <a:solidFill>
                                       <a:schemeClr val="accent2">
                                         <a:lumMod val="50000"/>
                                       </a:schemeClr>
                                     </a:solidFill>
+                                    <a:latin typeface="Cambria Math" panose="02040503050406030204" pitchFamily="18" charset="0"/>
                                   </a:rPr>
-                                </m:ctrlPr>
-                              </m:barPr>
-                              <m:e>
+                                  <m:t>−</m:t>
+                                </m:r>
                                 <m:bar>
                                   <m:barPr>
                                     <m:ctrlPr>
@@ -11680,24 +11636,53 @@
                                             <a:lumMod val="50000"/>
                                           </a:schemeClr>
                                         </a:solidFill>
+                                        <a:latin typeface="Cambria Math" panose="02040503050406030204" pitchFamily="18" charset="0"/>
                                       </a:rPr>
                                     </m:ctrlPr>
                                   </m:barPr>
                                   <m:e>
-                                    <m:r>
-                                      <a:rPr lang="en-US" altLang="zh-CN" i="1">
-                                        <a:solidFill>
-                                          <a:schemeClr val="accent2">
-                                            <a:lumMod val="50000"/>
-                                          </a:schemeClr>
-                                        </a:solidFill>
-                                      </a:rPr>
-                                      <m:t>𝑏</m:t>
-                                    </m:r>
+                                    <m:bar>
+                                      <m:barPr>
+                                        <m:ctrlPr>
+                                          <a:rPr lang="en-US" altLang="zh-CN" i="1">
+                                            <a:solidFill>
+                                              <a:schemeClr val="accent2">
+                                                <a:lumMod val="50000"/>
+                                              </a:schemeClr>
+                                            </a:solidFill>
+                                            <a:latin typeface="Cambria Math" panose="02040503050406030204" pitchFamily="18" charset="0"/>
+                                          </a:rPr>
+                                        </m:ctrlPr>
+                                      </m:barPr>
+                                      <m:e>
+                                        <m:r>
+                                          <a:rPr lang="en-US" altLang="zh-CN" i="1">
+                                            <a:solidFill>
+                                              <a:schemeClr val="accent2">
+                                                <a:lumMod val="50000"/>
+                                              </a:schemeClr>
+                                            </a:solidFill>
+                                            <a:latin typeface="Cambria Math" panose="02040503050406030204" pitchFamily="18" charset="0"/>
+                                          </a:rPr>
+                                          <m:t>𝑏</m:t>
+                                        </m:r>
+                                      </m:e>
+                                    </m:bar>
                                   </m:e>
                                 </m:bar>
                               </m:e>
-                            </m:bar>
+                            </m:d>
+                            <m:r>
+                              <a:rPr lang="en-US" altLang="zh-CN" i="1">
+                                <a:solidFill>
+                                  <a:schemeClr val="accent2">
+                                    <a:lumMod val="50000"/>
+                                  </a:schemeClr>
+                                </a:solidFill>
+                                <a:latin typeface="Cambria Math" panose="02040503050406030204" pitchFamily="18" charset="0"/>
+                              </a:rPr>
+                              <m:t>|</m:t>
+                            </m:r>
                           </m:e>
                         </m:d>
                       </m:e>
@@ -11709,6 +11694,7 @@
                                 <a:lumMod val="50000"/>
                               </a:schemeClr>
                             </a:solidFill>
+                            <a:latin typeface="Cambria Math" panose="02040503050406030204" pitchFamily="18" charset="0"/>
                           </a:rPr>
                           <m:t>𝑡𝑟𝑖𝑎𝑙</m:t>
                         </m:r>
@@ -11792,7 +11778,7 @@
             </p:txBody>
           </p:sp>
         </mc:Choice>
-        <mc:Fallback>
+        <mc:Fallback xmlns="">
           <p:sp>
             <p:nvSpPr>
               <p:cNvPr id="121" name="Text Box 265"/>
@@ -11803,16 +11789,16 @@
             </p:nvSpPr>
             <p:spPr bwMode="auto">
               <a:xfrm>
-                <a:off x="31927800" y="19808560"/>
-                <a:ext cx="10883948" cy="1084656"/>
+                <a:off x="31836518" y="19755984"/>
+                <a:ext cx="10883948" cy="990528"/>
               </a:xfrm>
               <a:prstGeom prst="rect">
                 <a:avLst/>
               </a:prstGeom>
               <a:blipFill>
-                <a:blip r:embed="rId21"/>
+                <a:blip r:embed="rId17"/>
                 <a:stretch>
-                  <a:fillRect l="-1793" t="-4494" b="-1124"/>
+                  <a:fillRect l="-1793" t="-5556" b="-4938"/>
                 </a:stretch>
               </a:blipFill>
               <a:ln>
@@ -11862,8 +11848,8 @@
           </p:sp>
         </mc:Fallback>
       </mc:AlternateContent>
-      <mc:AlternateContent xmlns:mc="http://schemas.openxmlformats.org/markup-compatibility/2006">
-        <mc:Choice xmlns:a14="http://schemas.microsoft.com/office/drawing/2010/main" Requires="a14">
+      <mc:AlternateContent xmlns:mc="http://schemas.openxmlformats.org/markup-compatibility/2006" xmlns:a14="http://schemas.microsoft.com/office/drawing/2010/main">
+        <mc:Choice Requires="a14">
           <p:sp>
             <p:nvSpPr>
               <p:cNvPr id="122" name="Text Box 265"/>
@@ -11874,8 +11860,8 @@
             </p:nvSpPr>
             <p:spPr bwMode="auto">
               <a:xfrm>
-                <a:off x="32117505" y="12988914"/>
-                <a:ext cx="10883948" cy="1084656"/>
+                <a:off x="31859948" y="12988916"/>
+                <a:ext cx="10883948" cy="990528"/>
               </a:xfrm>
               <a:prstGeom prst="rect">
                 <a:avLst/>
@@ -12025,16 +12011,6 @@
                   </a:spcBef>
                 </a:pPr>
                 <a:r>
-                  <a:rPr lang="en-US" altLang="zh-CN" i="1" dirty="0">
-                    <a:solidFill>
-                      <a:schemeClr val="accent2">
-                        <a:lumMod val="50000"/>
-                      </a:schemeClr>
-                    </a:solidFill>
-                  </a:rPr>
-                  <a:t>Figure 3</a:t>
-                </a:r>
-                <a:r>
                   <a:rPr lang="en-US" altLang="zh-CN" i="1" dirty="0" smtClean="0">
                     <a:solidFill>
                       <a:schemeClr val="accent2">
@@ -12042,7 +12018,7 @@
                       </a:schemeClr>
                     </a:solidFill>
                   </a:rPr>
-                  <a:t>: </a:t>
+                  <a:t>Figure 3: </a:t>
                 </a:r>
                 <a14:m>
                   <m:oMath xmlns:m="http://schemas.openxmlformats.org/officeDocument/2006/math">
@@ -12055,38 +12031,53 @@
                                 <a:lumMod val="50000"/>
                               </a:schemeClr>
                             </a:solidFill>
-                            <a:latin typeface="Arial"/>
+                            <a:latin typeface="Cambria Math" panose="02040503050406030204" pitchFamily="18" charset="0"/>
                           </a:rPr>
                         </m:ctrlPr>
                       </m:sSubPr>
                       <m:e>
+                        <m:r>
+                          <a:rPr lang="en-US" altLang="zh-CN" b="0" i="1" smtClean="0">
+                            <a:solidFill>
+                              <a:schemeClr val="accent2">
+                                <a:lumMod val="50000"/>
+                              </a:schemeClr>
+                            </a:solidFill>
+                            <a:latin typeface="Cambria Math" panose="02040503050406030204" pitchFamily="18" charset="0"/>
+                          </a:rPr>
+                          <m:t>|</m:t>
+                        </m:r>
                         <m:d>
                           <m:dPr>
+                            <m:begChr m:val=""/>
+                            <m:endChr m:val=""/>
                             <m:ctrlPr>
-                              <a:rPr lang="en-US" altLang="zh-CN" i="1">
+                              <a:rPr lang="en-US" altLang="zh-CN" i="1" smtClean="0">
                                 <a:solidFill>
                                   <a:schemeClr val="accent2">
                                     <a:lumMod val="50000"/>
                                   </a:schemeClr>
                                 </a:solidFill>
-                                <a:latin typeface="Arial"/>
+                                <a:latin typeface="Cambria Math" panose="02040503050406030204" pitchFamily="18" charset="0"/>
                               </a:rPr>
                             </m:ctrlPr>
                           </m:dPr>
                           <m:e>
-                            <m:bar>
-                              <m:barPr>
+                            <m:d>
+                              <m:dPr>
+                                <m:begChr m:val=""/>
+                                <m:endChr m:val=""/>
                                 <m:ctrlPr>
-                                  <a:rPr lang="en-US" altLang="zh-CN" i="1">
+                                  <a:rPr lang="en-US" altLang="zh-CN" b="0" i="1" smtClean="0">
                                     <a:solidFill>
                                       <a:schemeClr val="accent2">
                                         <a:lumMod val="50000"/>
                                       </a:schemeClr>
                                     </a:solidFill>
-                                    <a:latin typeface="Arial"/>
+                                    <a:latin typeface="Cambria Math" panose="02040503050406030204" pitchFamily="18" charset="0"/>
                                   </a:rPr>
                                 </m:ctrlPr>
-                              </m:barPr>
+                              </m:dPr>
                               <m:e>
                                 <m:bar>
                                   <m:barPr>
@@ -12097,51 +12088,51 @@
                                             <a:lumMod val="50000"/>
                                           </a:schemeClr>
                                         </a:solidFill>
-                                        <a:latin typeface="Arial"/>
+                                        <a:latin typeface="Cambria Math" panose="02040503050406030204" pitchFamily="18" charset="0"/>
                                       </a:rPr>
                                     </m:ctrlPr>
                                   </m:barPr>
                                   <m:e>
-                                    <m:r>
-                                      <a:rPr lang="en-US" altLang="zh-CN" i="1">
-                                        <a:solidFill>
-                                          <a:schemeClr val="accent2">
-                                            <a:lumMod val="50000"/>
-                                          </a:schemeClr>
-                                        </a:solidFill>
-                                        <a:latin typeface="Arial"/>
-                                      </a:rPr>
-                                      <m:t>𝑆</m:t>
-                                    </m:r>
+                                    <m:bar>
+                                      <m:barPr>
+                                        <m:ctrlPr>
+                                          <a:rPr lang="en-US" altLang="zh-CN" i="1">
+                                            <a:solidFill>
+                                              <a:schemeClr val="accent2">
+                                                <a:lumMod val="50000"/>
+                                              </a:schemeClr>
+                                            </a:solidFill>
+                                            <a:latin typeface="Cambria Math" panose="02040503050406030204" pitchFamily="18" charset="0"/>
+                                          </a:rPr>
+                                        </m:ctrlPr>
+                                      </m:barPr>
+                                      <m:e>
+                                        <m:r>
+                                          <a:rPr lang="en-US" altLang="zh-CN" i="1">
+                                            <a:solidFill>
+                                              <a:schemeClr val="accent2">
+                                                <a:lumMod val="50000"/>
+                                              </a:schemeClr>
+                                            </a:solidFill>
+                                            <a:latin typeface="Cambria Math" panose="02040503050406030204" pitchFamily="18" charset="0"/>
+                                          </a:rPr>
+                                          <m:t>𝑆</m:t>
+                                        </m:r>
+                                      </m:e>
+                                    </m:bar>
                                   </m:e>
                                 </m:bar>
-                              </m:e>
-                            </m:bar>
-                            <m:r>
-                              <a:rPr lang="en-US" altLang="zh-CN" i="1">
-                                <a:solidFill>
-                                  <a:schemeClr val="accent2">
-                                    <a:lumMod val="50000"/>
-                                  </a:schemeClr>
-                                </a:solidFill>
-                                <a:latin typeface="Arial"/>
-                              </a:rPr>
-                              <m:t>−</m:t>
-                            </m:r>
-                            <m:bar>
-                              <m:barPr>
-                                <m:ctrlPr>
+                                <m:r>
                                   <a:rPr lang="en-US" altLang="zh-CN" i="1">
                                     <a:solidFill>
                                       <a:schemeClr val="accent2">
                                         <a:lumMod val="50000"/>
                                       </a:schemeClr>
                                     </a:solidFill>
-                                    <a:latin typeface="Arial"/>
+                                    <a:latin typeface="Cambria Math" panose="02040503050406030204" pitchFamily="18" charset="0"/>
                                   </a:rPr>
-                                </m:ctrlPr>
-                              </m:barPr>
-                              <m:e>
+                                  <m:t>−</m:t>
+                                </m:r>
                                 <m:bar>
                                   <m:barPr>
                                     <m:ctrlPr>
@@ -12151,26 +12142,53 @@
                                             <a:lumMod val="50000"/>
                                           </a:schemeClr>
                                         </a:solidFill>
-                                        <a:latin typeface="Arial"/>
+                                        <a:latin typeface="Cambria Math" panose="02040503050406030204" pitchFamily="18" charset="0"/>
                                       </a:rPr>
                                     </m:ctrlPr>
                                   </m:barPr>
                                   <m:e>
-                                    <m:r>
-                                      <a:rPr lang="en-US" altLang="zh-CN" i="1">
-                                        <a:solidFill>
-                                          <a:schemeClr val="accent2">
-                                            <a:lumMod val="50000"/>
-                                          </a:schemeClr>
-                                        </a:solidFill>
-                                        <a:latin typeface="Arial"/>
-                                      </a:rPr>
-                                      <m:t>𝑏</m:t>
-                                    </m:r>
+                                    <m:bar>
+                                      <m:barPr>
+                                        <m:ctrlPr>
+                                          <a:rPr lang="en-US" altLang="zh-CN" i="1">
+                                            <a:solidFill>
+                                              <a:schemeClr val="accent2">
+                                                <a:lumMod val="50000"/>
+                                              </a:schemeClr>
+                                            </a:solidFill>
+                                            <a:latin typeface="Cambria Math" panose="02040503050406030204" pitchFamily="18" charset="0"/>
+                                          </a:rPr>
+                                        </m:ctrlPr>
+                                      </m:barPr>
+                                      <m:e>
+                                        <m:r>
+                                          <a:rPr lang="en-US" altLang="zh-CN" i="1">
+                                            <a:solidFill>
+                                              <a:schemeClr val="accent2">
+                                                <a:lumMod val="50000"/>
+                                              </a:schemeClr>
+                                            </a:solidFill>
+                                            <a:latin typeface="Cambria Math" panose="02040503050406030204" pitchFamily="18" charset="0"/>
+                                          </a:rPr>
+                                          <m:t>𝑏</m:t>
+                                        </m:r>
+                                      </m:e>
+                                    </m:bar>
                                   </m:e>
                                 </m:bar>
                               </m:e>
-                            </m:bar>
+                            </m:d>
+                            <m:r>
+                              <a:rPr lang="en-US" altLang="zh-CN" b="0" i="1" smtClean="0">
+                                <a:solidFill>
+                                  <a:schemeClr val="accent2">
+                                    <a:lumMod val="50000"/>
+                                  </a:schemeClr>
+                                </a:solidFill>
+                                <a:latin typeface="Cambria Math" panose="02040503050406030204" pitchFamily="18" charset="0"/>
+                              </a:rPr>
+                              <m:t>|</m:t>
+                            </m:r>
                           </m:e>
                         </m:d>
                       </m:e>
@@ -12182,7 +12200,7 @@
                                 <a:lumMod val="50000"/>
                               </a:schemeClr>
                             </a:solidFill>
-                            <a:latin typeface="Arial"/>
+                            <a:latin typeface="Cambria Math" panose="02040503050406030204" pitchFamily="18" charset="0"/>
                           </a:rPr>
                           <m:t>𝑡𝑟𝑖𝑎𝑙</m:t>
                         </m:r>
@@ -12210,12 +12228,36 @@
                     </a:solidFill>
                     <a:latin typeface="Arial"/>
                   </a:rPr>
-                  <a:t>and </a:t>
+                  <a:t>and</a:t>
                 </a:r>
                 <a14:m>
                   <m:oMath xmlns:m="http://schemas.openxmlformats.org/officeDocument/2006/math">
+                    <m:r>
+                      <a:rPr lang="en-US" altLang="zh-CN" b="0" i="1" smtClean="0">
+                        <a:solidFill>
+                          <a:schemeClr val="accent2">
+                            <a:lumMod val="50000"/>
+                          </a:schemeClr>
+                        </a:solidFill>
+                        <a:latin typeface="Cambria Math" panose="02040503050406030204" pitchFamily="18" charset="0"/>
+                      </a:rPr>
+                      <m:t> </m:t>
+                    </m:r>
+                    <m:r>
+                      <a:rPr lang="en-US" altLang="zh-CN" i="1">
+                        <a:solidFill>
+                          <a:schemeClr val="accent2">
+                            <a:lumMod val="50000"/>
+                          </a:schemeClr>
+                        </a:solidFill>
+                        <a:latin typeface="Cambria Math" panose="02040503050406030204" pitchFamily="18" charset="0"/>
+                      </a:rPr>
+                      <m:t>|</m:t>
+                    </m:r>
                     <m:d>
                       <m:dPr>
+                        <m:begChr m:val=""/>
+                        <m:endChr m:val=""/>
                         <m:ctrlPr>
                           <a:rPr lang="en-US" altLang="zh-CN" i="1">
                             <a:solidFill>
@@ -12228,8 +12270,10 @@
                         </m:ctrlPr>
                       </m:dPr>
                       <m:e>
-                        <m:bar>
-                          <m:barPr>
+                        <m:d>
+                          <m:dPr>
+                            <m:begChr m:val=""/>
+                            <m:endChr m:val=""/>
                             <m:ctrlPr>
                               <a:rPr lang="en-US" altLang="zh-CN" i="1">
                                 <a:solidFill>
@@ -12240,7 +12284,7 @@
                                 <a:latin typeface="Cambria Math" panose="02040503050406030204" pitchFamily="18" charset="0"/>
                               </a:rPr>
                             </m:ctrlPr>
-                          </m:barPr>
+                          </m:dPr>
                           <m:e>
                             <m:bar>
                               <m:barPr>
@@ -12256,35 +12300,36 @@
                                 </m:ctrlPr>
                               </m:barPr>
                               <m:e>
-                                <m:r>
-                                  <a:rPr lang="en-US" altLang="zh-CN" i="1">
-                                    <a:solidFill>
-                                      <a:schemeClr val="accent2">
-                                        <a:lumMod val="50000"/>
-                                      </a:schemeClr>
-                                    </a:solidFill>
-                                    <a:latin typeface="Cambria Math" panose="02040503050406030204" pitchFamily="18" charset="0"/>
-                                  </a:rPr>
-                                  <m:t>𝑆</m:t>
-                                </m:r>
+                                <m:bar>
+                                  <m:barPr>
+                                    <m:ctrlPr>
+                                      <a:rPr lang="en-US" altLang="zh-CN" i="1">
+                                        <a:solidFill>
+                                          <a:schemeClr val="accent2">
+                                            <a:lumMod val="50000"/>
+                                          </a:schemeClr>
+                                        </a:solidFill>
+                                        <a:latin typeface="Cambria Math" panose="02040503050406030204" pitchFamily="18" charset="0"/>
+                                      </a:rPr>
+                                    </m:ctrlPr>
+                                  </m:barPr>
+                                  <m:e>
+                                    <m:r>
+                                      <a:rPr lang="en-US" altLang="zh-CN" i="1">
+                                        <a:solidFill>
+                                          <a:schemeClr val="accent2">
+                                            <a:lumMod val="50000"/>
+                                          </a:schemeClr>
+                                        </a:solidFill>
+                                        <a:latin typeface="Cambria Math" panose="02040503050406030204" pitchFamily="18" charset="0"/>
+                                      </a:rPr>
+                                      <m:t>𝑆</m:t>
+                                    </m:r>
+                                  </m:e>
+                                </m:bar>
                               </m:e>
                             </m:bar>
-                          </m:e>
-                        </m:bar>
-                        <m:r>
-                          <a:rPr lang="en-US" altLang="zh-CN" i="1">
-                            <a:solidFill>
-                              <a:schemeClr val="accent2">
-                                <a:lumMod val="50000"/>
-                              </a:schemeClr>
-                            </a:solidFill>
-                            <a:latin typeface="Cambria Math" panose="02040503050406030204" pitchFamily="18" charset="0"/>
-                          </a:rPr>
-                          <m:t>−</m:t>
-                        </m:r>
-                        <m:bar>
-                          <m:barPr>
-                            <m:ctrlPr>
+                            <m:r>
                               <a:rPr lang="en-US" altLang="zh-CN" i="1">
                                 <a:solidFill>
                                   <a:schemeClr val="accent2">
@@ -12293,9 +12338,8 @@
                                 </a:solidFill>
                                 <a:latin typeface="Cambria Math" panose="02040503050406030204" pitchFamily="18" charset="0"/>
                               </a:rPr>
-                            </m:ctrlPr>
-                          </m:barPr>
-                          <m:e>
+                              <m:t>−</m:t>
+                            </m:r>
                             <m:bar>
                               <m:barPr>
                                 <m:ctrlPr>
@@ -12310,27 +12354,54 @@
                                 </m:ctrlPr>
                               </m:barPr>
                               <m:e>
-                                <m:r>
-                                  <a:rPr lang="en-US" altLang="zh-CN" i="1">
-                                    <a:solidFill>
-                                      <a:schemeClr val="accent2">
-                                        <a:lumMod val="50000"/>
-                                      </a:schemeClr>
-                                    </a:solidFill>
-                                    <a:latin typeface="Cambria Math" panose="02040503050406030204" pitchFamily="18" charset="0"/>
-                                  </a:rPr>
-                                  <m:t>𝑏</m:t>
-                                </m:r>
+                                <m:bar>
+                                  <m:barPr>
+                                    <m:ctrlPr>
+                                      <a:rPr lang="en-US" altLang="zh-CN" i="1">
+                                        <a:solidFill>
+                                          <a:schemeClr val="accent2">
+                                            <a:lumMod val="50000"/>
+                                          </a:schemeClr>
+                                        </a:solidFill>
+                                        <a:latin typeface="Cambria Math" panose="02040503050406030204" pitchFamily="18" charset="0"/>
+                                      </a:rPr>
+                                    </m:ctrlPr>
+                                  </m:barPr>
+                                  <m:e>
+                                    <m:r>
+                                      <a:rPr lang="en-US" altLang="zh-CN" i="1">
+                                        <a:solidFill>
+                                          <a:schemeClr val="accent2">
+                                            <a:lumMod val="50000"/>
+                                          </a:schemeClr>
+                                        </a:solidFill>
+                                        <a:latin typeface="Cambria Math" panose="02040503050406030204" pitchFamily="18" charset="0"/>
+                                      </a:rPr>
+                                      <m:t>𝑏</m:t>
+                                    </m:r>
+                                  </m:e>
+                                </m:bar>
                               </m:e>
                             </m:bar>
                           </m:e>
-                        </m:bar>
+                        </m:d>
+                        <m:r>
+                          <a:rPr lang="en-US" altLang="zh-CN" i="1">
+                            <a:solidFill>
+                              <a:schemeClr val="accent2">
+                                <a:lumMod val="50000"/>
+                              </a:schemeClr>
+                            </a:solidFill>
+                            <a:latin typeface="Cambria Math" panose="02040503050406030204" pitchFamily="18" charset="0"/>
+                          </a:rPr>
+                          <m:t>|</m:t>
+                        </m:r>
                       </m:e>
                     </m:d>
                   </m:oMath>
                 </a14:m>
                 <a:r>
-                  <a:rPr lang="en-AU" i="1" dirty="0" smtClean="0">
+                  <a:rPr lang="en-US" i="1" dirty="0" smtClean="0">
                     <a:solidFill>
                       <a:schemeClr val="accent2">
                         <a:lumMod val="50000"/>
@@ -12374,7 +12445,7 @@
             </p:txBody>
           </p:sp>
         </mc:Choice>
-        <mc:Fallback>
+        <mc:Fallback xmlns="">
           <p:sp>
             <p:nvSpPr>
               <p:cNvPr id="122" name="Text Box 265"/>
@@ -12385,16 +12456,16 @@
             </p:nvSpPr>
             <p:spPr bwMode="auto">
               <a:xfrm>
-                <a:off x="32117505" y="12988914"/>
-                <a:ext cx="10883948" cy="1084656"/>
+                <a:off x="31859948" y="12988916"/>
+                <a:ext cx="10883948" cy="990528"/>
               </a:xfrm>
               <a:prstGeom prst="rect">
                 <a:avLst/>
               </a:prstGeom>
               <a:blipFill>
-                <a:blip r:embed="rId22"/>
+                <a:blip r:embed="rId18"/>
                 <a:stretch>
-                  <a:fillRect l="-1793" b="-15169"/>
+                  <a:fillRect l="-1736" t="-5556" r="-168" b="-17284"/>
                 </a:stretch>
               </a:blipFill>
               <a:ln>
@@ -12454,7 +12525,7 @@
         </p:nvSpPr>
         <p:spPr bwMode="auto">
           <a:xfrm>
-            <a:off x="23019970" y="31252265"/>
+            <a:off x="22125159" y="31796748"/>
             <a:ext cx="7922637" cy="830997"/>
           </a:xfrm>
           <a:prstGeom prst="rect">
@@ -12632,7 +12703,27 @@
                   </a:schemeClr>
                 </a:solidFill>
               </a:rPr>
-              <a:t>evolution with time under sinusoidal load with two different methods</a:t>
+              <a:t>evolution with time under sinusoidal load with </a:t>
+            </a:r>
+            <a:r>
+              <a:rPr lang="en-US" altLang="zh-CN" i="1" dirty="0" smtClean="0">
+                <a:solidFill>
+                  <a:schemeClr val="accent2">
+                    <a:lumMod val="50000"/>
+                  </a:schemeClr>
+                </a:solidFill>
+              </a:rPr>
+              <a:t>three </a:t>
+            </a:r>
+            <a:r>
+              <a:rPr lang="en-US" altLang="zh-CN" i="1" dirty="0">
+                <a:solidFill>
+                  <a:schemeClr val="accent2">
+                    <a:lumMod val="50000"/>
+                  </a:schemeClr>
+                </a:solidFill>
+              </a:rPr>
+              <a:t>different methods</a:t>
             </a:r>
             <a:r>
               <a:rPr lang="en-AU" i="1" dirty="0" smtClean="0">
@@ -12665,6 +12756,662 @@
           <p:nvPr/>
         </p:nvPicPr>
         <p:blipFill>
+          <a:blip r:embed="rId19">
+            <a:extLst>
+              <a:ext uri="{28A0092B-C50C-407E-A947-70E740481C1C}">
+                <a14:useLocalDpi xmlns:a14="http://schemas.microsoft.com/office/drawing/2010/main" val="0"/>
+              </a:ext>
+            </a:extLst>
+          </a:blip>
+          <a:stretch>
+            <a:fillRect/>
+          </a:stretch>
+        </p:blipFill>
+        <p:spPr>
+          <a:xfrm>
+            <a:off x="1042148" y="3832952"/>
+            <a:ext cx="8686801" cy="1129284"/>
+          </a:xfrm>
+          <a:prstGeom prst="rect">
+            <a:avLst/>
+          </a:prstGeom>
+        </p:spPr>
+      </p:pic>
+      <p:pic>
+        <p:nvPicPr>
+          <p:cNvPr id="5" name="图片 4"/>
+          <p:cNvPicPr>
+            <a:picLocks noChangeAspect="1"/>
+          </p:cNvPicPr>
+          <p:nvPr/>
+        </p:nvPicPr>
+        <p:blipFill>
+          <a:blip r:embed="rId20" cstate="print">
+            <a:extLst>
+              <a:ext uri="{28A0092B-C50C-407E-A947-70E740481C1C}">
+                <a14:useLocalDpi xmlns:a14="http://schemas.microsoft.com/office/drawing/2010/main" val="0"/>
+              </a:ext>
+            </a:extLst>
+          </a:blip>
+          <a:stretch>
+            <a:fillRect/>
+          </a:stretch>
+        </p:blipFill>
+        <p:spPr>
+          <a:xfrm>
+            <a:off x="1042148" y="981480"/>
+            <a:ext cx="3772307" cy="2120434"/>
+          </a:xfrm>
+          <a:prstGeom prst="rect">
+            <a:avLst/>
+          </a:prstGeom>
+        </p:spPr>
+      </p:pic>
+      <p:pic>
+        <p:nvPicPr>
+          <p:cNvPr id="6" name="图片 5"/>
+          <p:cNvPicPr>
+            <a:picLocks noChangeAspect="1"/>
+          </p:cNvPicPr>
+          <p:nvPr/>
+        </p:nvPicPr>
+        <p:blipFill>
+          <a:blip r:embed="rId21">
+            <a:extLst>
+              <a:ext uri="{28A0092B-C50C-407E-A947-70E740481C1C}">
+                <a14:useLocalDpi xmlns:a14="http://schemas.microsoft.com/office/drawing/2010/main" val="0"/>
+              </a:ext>
+            </a:extLst>
+          </a:blip>
+          <a:stretch>
+            <a:fillRect/>
+          </a:stretch>
+        </p:blipFill>
+        <p:spPr>
+          <a:xfrm>
+            <a:off x="4813490" y="952880"/>
+            <a:ext cx="2791092" cy="2149034"/>
+          </a:xfrm>
+          <a:prstGeom prst="rect">
+            <a:avLst/>
+          </a:prstGeom>
+        </p:spPr>
+      </p:pic>
+      <p:pic>
+        <p:nvPicPr>
+          <p:cNvPr id="9" name="图片 8"/>
+          <p:cNvPicPr>
+            <a:picLocks noChangeAspect="1"/>
+          </p:cNvPicPr>
+          <p:nvPr/>
+        </p:nvPicPr>
+        <p:blipFill>
+          <a:blip r:embed="rId22">
+            <a:extLst>
+              <a:ext uri="{28A0092B-C50C-407E-A947-70E740481C1C}">
+                <a14:useLocalDpi xmlns:a14="http://schemas.microsoft.com/office/drawing/2010/main" val="0"/>
+              </a:ext>
+            </a:extLst>
+          </a:blip>
+          <a:stretch>
+            <a:fillRect/>
+          </a:stretch>
+        </p:blipFill>
+        <p:spPr>
+          <a:xfrm>
+            <a:off x="21337916" y="26798972"/>
+            <a:ext cx="9202137" cy="4724505"/>
+          </a:xfrm>
+          <a:prstGeom prst="rect">
+            <a:avLst/>
+          </a:prstGeom>
+        </p:spPr>
+      </p:pic>
+      <p:grpSp>
+        <p:nvGrpSpPr>
+          <p:cNvPr id="68" name="Group 64"/>
+          <p:cNvGrpSpPr/>
+          <p:nvPr/>
+        </p:nvGrpSpPr>
+        <p:grpSpPr>
+          <a:xfrm>
+            <a:off x="31870153" y="30972827"/>
+            <a:ext cx="11007725" cy="946293"/>
+            <a:chOff x="1066799" y="5958162"/>
+            <a:chExt cx="11007725" cy="946293"/>
+          </a:xfrm>
+        </p:grpSpPr>
+        <p:sp>
+          <p:nvSpPr>
+            <p:cNvPr id="69" name="Text Box 248"/>
+            <p:cNvSpPr txBox="1">
+              <a:spLocks noChangeArrowheads="1"/>
+            </p:cNvSpPr>
+            <p:nvPr/>
+          </p:nvSpPr>
+          <p:spPr bwMode="auto">
+            <a:xfrm>
+              <a:off x="1066799" y="5958162"/>
+              <a:ext cx="11007725" cy="946293"/>
+            </a:xfrm>
+            <a:prstGeom prst="rect">
+              <a:avLst/>
+            </a:prstGeom>
+            <a:gradFill rotWithShape="0">
+              <a:gsLst>
+                <a:gs pos="0">
+                  <a:schemeClr val="accent2">
+                    <a:lumMod val="40000"/>
+                    <a:lumOff val="60000"/>
+                  </a:schemeClr>
+                </a:gs>
+                <a:gs pos="13000">
+                  <a:schemeClr val="accent3">
+                    <a:lumMod val="60000"/>
+                    <a:lumOff val="40000"/>
+                  </a:schemeClr>
+                </a:gs>
+                <a:gs pos="43000">
+                  <a:schemeClr val="accent2">
+                    <a:lumMod val="60000"/>
+                    <a:lumOff val="40000"/>
+                  </a:schemeClr>
+                </a:gs>
+                <a:gs pos="67000">
+                  <a:schemeClr val="accent2">
+                    <a:lumMod val="75000"/>
+                  </a:schemeClr>
+                </a:gs>
+                <a:gs pos="83000">
+                  <a:schemeClr val="accent2">
+                    <a:lumMod val="75000"/>
+                  </a:schemeClr>
+                </a:gs>
+                <a:gs pos="100000">
+                  <a:schemeClr val="accent3">
+                    <a:lumMod val="60000"/>
+                    <a:lumOff val="40000"/>
+                  </a:schemeClr>
+                </a:gs>
+              </a:gsLst>
+              <a:lin ang="0" scaled="1"/>
+              <a:tileRect/>
+            </a:gradFill>
+            <a:ln w="19050">
+              <a:noFill/>
+              <a:miter lim="800000"/>
+            </a:ln>
+          </p:spPr>
+          <p:txBody>
+            <a:bodyPr>
+              <a:spAutoFit/>
+            </a:bodyPr>
+            <a:lstStyle>
+              <a:defPPr>
+                <a:defRPr kern="1200" smtId="4294967295"/>
+              </a:defPPr>
+              <a:lvl1pPr>
+                <a:defRPr sz="2400">
+                  <a:solidFill>
+                    <a:schemeClr val="tx1"/>
+                  </a:solidFill>
+                  <a:latin typeface="Times New Roman" pitchFamily="18" charset="0"/>
+                </a:defRPr>
+              </a:lvl1pPr>
+              <a:lvl2pPr marL="742950" indent="-285750">
+                <a:defRPr sz="2400">
+                  <a:solidFill>
+                    <a:schemeClr val="tx1"/>
+                  </a:solidFill>
+                  <a:latin typeface="Times New Roman" pitchFamily="18" charset="0"/>
+                </a:defRPr>
+              </a:lvl2pPr>
+              <a:lvl3pPr marL="1143000" indent="-228600">
+                <a:defRPr sz="2400">
+                  <a:solidFill>
+                    <a:schemeClr val="tx1"/>
+                  </a:solidFill>
+                  <a:latin typeface="Times New Roman" pitchFamily="18" charset="0"/>
+                </a:defRPr>
+              </a:lvl3pPr>
+              <a:lvl4pPr marL="1600200" indent="-228600">
+                <a:defRPr sz="2400">
+                  <a:solidFill>
+                    <a:schemeClr val="tx1"/>
+                  </a:solidFill>
+                  <a:latin typeface="Times New Roman" pitchFamily="18" charset="0"/>
+                </a:defRPr>
+              </a:lvl4pPr>
+              <a:lvl5pPr marL="2057400" indent="-228600">
+                <a:defRPr sz="2400">
+                  <a:solidFill>
+                    <a:schemeClr val="tx1"/>
+                  </a:solidFill>
+                  <a:latin typeface="Times New Roman" pitchFamily="18" charset="0"/>
+                </a:defRPr>
+              </a:lvl5pPr>
+              <a:lvl6pPr marL="2514600" indent="-228600" eaLnBrk="0" fontAlgn="base" hangingPunct="0">
+                <a:spcBef>
+                  <a:spcPct val="0"/>
+                </a:spcBef>
+                <a:spcAft>
+                  <a:spcPct val="0"/>
+                </a:spcAft>
+                <a:defRPr sz="2400">
+                  <a:solidFill>
+                    <a:schemeClr val="tx1"/>
+                  </a:solidFill>
+                  <a:latin typeface="Times New Roman" pitchFamily="18" charset="0"/>
+                </a:defRPr>
+              </a:lvl6pPr>
+              <a:lvl7pPr marL="2971800" indent="-228600" eaLnBrk="0" fontAlgn="base" hangingPunct="0">
+                <a:spcBef>
+                  <a:spcPct val="0"/>
+                </a:spcBef>
+                <a:spcAft>
+                  <a:spcPct val="0"/>
+                </a:spcAft>
+                <a:defRPr sz="2400">
+                  <a:solidFill>
+                    <a:schemeClr val="tx1"/>
+                  </a:solidFill>
+                  <a:latin typeface="Times New Roman" pitchFamily="18" charset="0"/>
+                </a:defRPr>
+              </a:lvl7pPr>
+              <a:lvl8pPr marL="3429000" indent="-228600" eaLnBrk="0" fontAlgn="base" hangingPunct="0">
+                <a:spcBef>
+                  <a:spcPct val="0"/>
+                </a:spcBef>
+                <a:spcAft>
+                  <a:spcPct val="0"/>
+                </a:spcAft>
+                <a:defRPr sz="2400">
+                  <a:solidFill>
+                    <a:schemeClr val="tx1"/>
+                  </a:solidFill>
+                  <a:latin typeface="Times New Roman" pitchFamily="18" charset="0"/>
+                </a:defRPr>
+              </a:lvl8pPr>
+              <a:lvl9pPr marL="3886200" indent="-228600" eaLnBrk="0" fontAlgn="base" hangingPunct="0">
+                <a:spcBef>
+                  <a:spcPct val="0"/>
+                </a:spcBef>
+                <a:spcAft>
+                  <a:spcPct val="0"/>
+                </a:spcAft>
+                <a:defRPr sz="2400">
+                  <a:solidFill>
+                    <a:schemeClr val="tx1"/>
+                  </a:solidFill>
+                  <a:latin typeface="Times New Roman" pitchFamily="18" charset="0"/>
+                </a:defRPr>
+              </a:lvl9pPr>
+            </a:lstStyle>
+            <a:p>
+              <a:endParaRPr lang="en-US" altLang="zh-CN" sz="3600" b="1" dirty="0">
+                <a:latin typeface="Lucida Sans" pitchFamily="34" charset="0"/>
+                <a:ea typeface="SimSun" pitchFamily="2" charset="-122"/>
+                <a:cs typeface="Lucida Sans" pitchFamily="34" charset="0"/>
+              </a:endParaRPr>
+            </a:p>
+          </p:txBody>
+        </p:sp>
+        <p:sp>
+          <p:nvSpPr>
+            <p:cNvPr id="70" name="Text Box 248"/>
+            <p:cNvSpPr txBox="1">
+              <a:spLocks noChangeArrowheads="1"/>
+            </p:cNvSpPr>
+            <p:nvPr/>
+          </p:nvSpPr>
+          <p:spPr bwMode="auto">
+            <a:xfrm>
+              <a:off x="1157514" y="6046588"/>
+              <a:ext cx="10805886" cy="769441"/>
+            </a:xfrm>
+            <a:prstGeom prst="rect">
+              <a:avLst/>
+            </a:prstGeom>
+            <a:gradFill>
+              <a:gsLst>
+                <a:gs pos="56000">
+                  <a:schemeClr val="accent2">
+                    <a:lumMod val="50000"/>
+                  </a:schemeClr>
+                </a:gs>
+                <a:gs pos="100000">
+                  <a:schemeClr val="bg1">
+                    <a:alpha val="0"/>
+                  </a:schemeClr>
+                </a:gs>
+              </a:gsLst>
+              <a:lin ang="0" scaled="1"/>
+              <a:tileRect/>
+            </a:gradFill>
+            <a:ln w="19050">
+              <a:noFill/>
+              <a:miter lim="800000"/>
+            </a:ln>
+          </p:spPr>
+          <p:txBody>
+            <a:bodyPr wrap="square">
+              <a:spAutoFit/>
+            </a:bodyPr>
+            <a:lstStyle>
+              <a:defPPr>
+                <a:defRPr kern="1200" smtId="4294967295"/>
+              </a:defPPr>
+              <a:lvl1pPr>
+                <a:defRPr sz="2400">
+                  <a:solidFill>
+                    <a:schemeClr val="tx1"/>
+                  </a:solidFill>
+                  <a:latin typeface="Times New Roman" pitchFamily="18" charset="0"/>
+                </a:defRPr>
+              </a:lvl1pPr>
+              <a:lvl2pPr marL="742950" indent="-285750">
+                <a:defRPr sz="2400">
+                  <a:solidFill>
+                    <a:schemeClr val="tx1"/>
+                  </a:solidFill>
+                  <a:latin typeface="Times New Roman" pitchFamily="18" charset="0"/>
+                </a:defRPr>
+              </a:lvl2pPr>
+              <a:lvl3pPr marL="1143000" indent="-228600">
+                <a:defRPr sz="2400">
+                  <a:solidFill>
+                    <a:schemeClr val="tx1"/>
+                  </a:solidFill>
+                  <a:latin typeface="Times New Roman" pitchFamily="18" charset="0"/>
+                </a:defRPr>
+              </a:lvl3pPr>
+              <a:lvl4pPr marL="1600200" indent="-228600">
+                <a:defRPr sz="2400">
+                  <a:solidFill>
+                    <a:schemeClr val="tx1"/>
+                  </a:solidFill>
+                  <a:latin typeface="Times New Roman" pitchFamily="18" charset="0"/>
+                </a:defRPr>
+              </a:lvl4pPr>
+              <a:lvl5pPr marL="2057400" indent="-228600">
+                <a:defRPr sz="2400">
+                  <a:solidFill>
+                    <a:schemeClr val="tx1"/>
+                  </a:solidFill>
+                  <a:latin typeface="Times New Roman" pitchFamily="18" charset="0"/>
+                </a:defRPr>
+              </a:lvl5pPr>
+              <a:lvl6pPr marL="2514600" indent="-228600" eaLnBrk="0" fontAlgn="base" hangingPunct="0">
+                <a:spcBef>
+                  <a:spcPct val="0"/>
+                </a:spcBef>
+                <a:spcAft>
+                  <a:spcPct val="0"/>
+                </a:spcAft>
+                <a:defRPr sz="2400">
+                  <a:solidFill>
+                    <a:schemeClr val="tx1"/>
+                  </a:solidFill>
+                  <a:latin typeface="Times New Roman" pitchFamily="18" charset="0"/>
+                </a:defRPr>
+              </a:lvl6pPr>
+              <a:lvl7pPr marL="2971800" indent="-228600" eaLnBrk="0" fontAlgn="base" hangingPunct="0">
+                <a:spcBef>
+                  <a:spcPct val="0"/>
+                </a:spcBef>
+                <a:spcAft>
+                  <a:spcPct val="0"/>
+                </a:spcAft>
+                <a:defRPr sz="2400">
+                  <a:solidFill>
+                    <a:schemeClr val="tx1"/>
+                  </a:solidFill>
+                  <a:latin typeface="Times New Roman" pitchFamily="18" charset="0"/>
+                </a:defRPr>
+              </a:lvl7pPr>
+              <a:lvl8pPr marL="3429000" indent="-228600" eaLnBrk="0" fontAlgn="base" hangingPunct="0">
+                <a:spcBef>
+                  <a:spcPct val="0"/>
+                </a:spcBef>
+                <a:spcAft>
+                  <a:spcPct val="0"/>
+                </a:spcAft>
+                <a:defRPr sz="2400">
+                  <a:solidFill>
+                    <a:schemeClr val="tx1"/>
+                  </a:solidFill>
+                  <a:latin typeface="Times New Roman" pitchFamily="18" charset="0"/>
+                </a:defRPr>
+              </a:lvl8pPr>
+              <a:lvl9pPr marL="3886200" indent="-228600" eaLnBrk="0" fontAlgn="base" hangingPunct="0">
+                <a:spcBef>
+                  <a:spcPct val="0"/>
+                </a:spcBef>
+                <a:spcAft>
+                  <a:spcPct val="0"/>
+                </a:spcAft>
+                <a:defRPr sz="2400">
+                  <a:solidFill>
+                    <a:schemeClr val="tx1"/>
+                  </a:solidFill>
+                  <a:latin typeface="Times New Roman" pitchFamily="18" charset="0"/>
+                </a:defRPr>
+              </a:lvl9pPr>
+            </a:lstStyle>
+            <a:p>
+              <a:r>
+                <a:rPr lang="en-US" altLang="zh-CN" sz="4400" b="1" dirty="0">
+                  <a:solidFill>
+                    <a:schemeClr val="bg1"/>
+                  </a:solidFill>
+                  <a:effectLst>
+                    <a:outerShdw blurRad="38100" dist="38100" dir="2700000" algn="tl">
+                      <a:srgbClr val="C0C0C0"/>
+                    </a:outerShdw>
+                  </a:effectLst>
+                  <a:ea typeface="SimSun" pitchFamily="2" charset="-122"/>
+                </a:rPr>
+                <a:t>ACKNOWLEDGEMENT</a:t>
+              </a:r>
+              <a:endParaRPr lang="en-US" altLang="zh-CN" sz="3200" b="1" dirty="0">
+                <a:solidFill>
+                  <a:schemeClr val="bg1"/>
+                </a:solidFill>
+                <a:latin typeface="Lucida Sans" pitchFamily="34" charset="0"/>
+                <a:ea typeface="SimSun" pitchFamily="2" charset="-122"/>
+                <a:cs typeface="Lucida Sans" pitchFamily="34" charset="0"/>
+              </a:endParaRPr>
+            </a:p>
+          </p:txBody>
+        </p:sp>
+      </p:grpSp>
+      <p:sp>
+        <p:nvSpPr>
+          <p:cNvPr id="71" name="Text Box 245"/>
+          <p:cNvSpPr txBox="1">
+            <a:spLocks noChangeArrowheads="1"/>
+          </p:cNvSpPr>
+          <p:nvPr/>
+        </p:nvSpPr>
+        <p:spPr bwMode="auto">
+          <a:xfrm>
+            <a:off x="31908107" y="32007546"/>
+            <a:ext cx="10969770" cy="769441"/>
+          </a:xfrm>
+          <a:prstGeom prst="rect">
+            <a:avLst/>
+          </a:prstGeom>
+          <a:solidFill>
+            <a:schemeClr val="bg1"/>
+          </a:solidFill>
+          <a:ln w="57150" cmpd="thinThick">
+            <a:noFill/>
+            <a:miter lim="800000"/>
+          </a:ln>
+          <a:extLst>
+            <a:ext uri="{AF507438-7753-43E0-B8FC-AC1667EBCBE1}">
+              <a14:hiddenEffects xmlns:a14="http://schemas.microsoft.com/office/drawing/2010/main">
+                <a:effectLst>
+                  <a:outerShdw dist="35921" dir="2700000" algn="ctr" rotWithShape="0">
+                    <a:schemeClr val="bg2"/>
+                  </a:outerShdw>
+                </a:effectLst>
+              </a14:hiddenEffects>
+            </a:ext>
+          </a:extLst>
+        </p:spPr>
+        <p:txBody>
+          <a:bodyPr wrap="square" lIns="182880" tIns="91440" rIns="182880" bIns="182880">
+            <a:spAutoFit/>
+          </a:bodyPr>
+          <a:lstStyle>
+            <a:defPPr>
+              <a:defRPr kern="1200" smtId="4294967295"/>
+            </a:defPPr>
+            <a:lvl1pPr marL="457200" indent="-457200">
+              <a:defRPr sz="2400">
+                <a:solidFill>
+                  <a:schemeClr val="tx1"/>
+                </a:solidFill>
+                <a:latin typeface="Times New Roman" pitchFamily="18" charset="0"/>
+              </a:defRPr>
+            </a:lvl1pPr>
+            <a:lvl2pPr marL="742950" indent="-285750">
+              <a:defRPr sz="2400">
+                <a:solidFill>
+                  <a:schemeClr val="tx1"/>
+                </a:solidFill>
+                <a:latin typeface="Times New Roman" pitchFamily="18" charset="0"/>
+              </a:defRPr>
+            </a:lvl2pPr>
+            <a:lvl3pPr marL="1143000" indent="-228600">
+              <a:defRPr sz="2400">
+                <a:solidFill>
+                  <a:schemeClr val="tx1"/>
+                </a:solidFill>
+                <a:latin typeface="Times New Roman" pitchFamily="18" charset="0"/>
+              </a:defRPr>
+            </a:lvl3pPr>
+            <a:lvl4pPr marL="1600200" indent="-228600">
+              <a:defRPr sz="2400">
+                <a:solidFill>
+                  <a:schemeClr val="tx1"/>
+                </a:solidFill>
+                <a:latin typeface="Times New Roman" pitchFamily="18" charset="0"/>
+              </a:defRPr>
+            </a:lvl4pPr>
+            <a:lvl5pPr marL="2057400" indent="-228600">
+              <a:defRPr sz="2400">
+                <a:solidFill>
+                  <a:schemeClr val="tx1"/>
+                </a:solidFill>
+                <a:latin typeface="Times New Roman" pitchFamily="18" charset="0"/>
+              </a:defRPr>
+            </a:lvl5pPr>
+            <a:lvl6pPr marL="2514600" indent="-228600" eaLnBrk="0" fontAlgn="base" hangingPunct="0">
+              <a:spcBef>
+                <a:spcPct val="0"/>
+              </a:spcBef>
+              <a:spcAft>
+                <a:spcPct val="0"/>
+              </a:spcAft>
+              <a:defRPr sz="2400">
+                <a:solidFill>
+                  <a:schemeClr val="tx1"/>
+                </a:solidFill>
+                <a:latin typeface="Times New Roman" pitchFamily="18" charset="0"/>
+              </a:defRPr>
+            </a:lvl6pPr>
+            <a:lvl7pPr marL="2971800" indent="-228600" eaLnBrk="0" fontAlgn="base" hangingPunct="0">
+              <a:spcBef>
+                <a:spcPct val="0"/>
+              </a:spcBef>
+              <a:spcAft>
+                <a:spcPct val="0"/>
+              </a:spcAft>
+              <a:defRPr sz="2400">
+                <a:solidFill>
+                  <a:schemeClr val="tx1"/>
+                </a:solidFill>
+                <a:latin typeface="Times New Roman" pitchFamily="18" charset="0"/>
+              </a:defRPr>
+            </a:lvl7pPr>
+            <a:lvl8pPr marL="3429000" indent="-228600" eaLnBrk="0" fontAlgn="base" hangingPunct="0">
+              <a:spcBef>
+                <a:spcPct val="0"/>
+              </a:spcBef>
+              <a:spcAft>
+                <a:spcPct val="0"/>
+              </a:spcAft>
+              <a:defRPr sz="2400">
+                <a:solidFill>
+                  <a:schemeClr val="tx1"/>
+                </a:solidFill>
+                <a:latin typeface="Times New Roman" pitchFamily="18" charset="0"/>
+              </a:defRPr>
+            </a:lvl8pPr>
+            <a:lvl9pPr marL="3886200" indent="-228600" eaLnBrk="0" fontAlgn="base" hangingPunct="0">
+              <a:spcBef>
+                <a:spcPct val="0"/>
+              </a:spcBef>
+              <a:spcAft>
+                <a:spcPct val="0"/>
+              </a:spcAft>
+              <a:defRPr sz="2400">
+                <a:solidFill>
+                  <a:schemeClr val="tx1"/>
+                </a:solidFill>
+                <a:latin typeface="Times New Roman" pitchFamily="18" charset="0"/>
+              </a:defRPr>
+            </a:lvl9pPr>
+          </a:lstStyle>
+          <a:p>
+            <a:r>
+              <a:rPr lang="en-US" altLang="zh-CN" sz="3200" b="1" dirty="0" smtClean="0">
+                <a:effectLst>
+                  <a:outerShdw blurRad="38100" dist="38100" dir="2700000" algn="tl">
+                    <a:srgbClr val="C0C0C0"/>
+                  </a:outerShdw>
+                </a:effectLst>
+                <a:ea typeface="SimSun" pitchFamily="2" charset="-122"/>
+              </a:rPr>
+              <a:t>This </a:t>
+            </a:r>
+            <a:r>
+              <a:rPr lang="en-US" altLang="zh-CN" sz="3200" b="1" dirty="0">
+                <a:effectLst>
+                  <a:outerShdw blurRad="38100" dist="38100" dir="2700000" algn="tl">
+                    <a:srgbClr val="C0C0C0"/>
+                  </a:outerShdw>
+                </a:effectLst>
+                <a:ea typeface="SimSun" pitchFamily="2" charset="-122"/>
+              </a:rPr>
+              <a:t>work is supported by PSA group</a:t>
+            </a:r>
+            <a:r>
+              <a:rPr lang="en-US" altLang="zh-CN" sz="3200" b="1" dirty="0" smtClean="0">
+                <a:effectLst>
+                  <a:outerShdw blurRad="38100" dist="38100" dir="2700000" algn="tl">
+                    <a:srgbClr val="C0C0C0"/>
+                  </a:outerShdw>
+                </a:effectLst>
+                <a:ea typeface="SimSun" pitchFamily="2" charset="-122"/>
+              </a:rPr>
+              <a:t>.</a:t>
+            </a:r>
+            <a:endParaRPr lang="zh-CN" altLang="en-US" sz="3200" b="1" dirty="0"/>
+          </a:p>
+        </p:txBody>
+      </p:sp>
+      <p:pic>
+        <p:nvPicPr>
+          <p:cNvPr id="16" name="图片 15"/>
+          <p:cNvPicPr>
+            <a:picLocks noChangeAspect="1"/>
+          </p:cNvPicPr>
+          <p:nvPr/>
+        </p:nvPicPr>
+        <p:blipFill>
           <a:blip r:embed="rId23">
             <a:extLst>
               <a:ext uri="{28A0092B-C50C-407E-A947-70E740481C1C}">
@@ -12678,8 +13425,8 @@
         </p:blipFill>
         <p:spPr>
           <a:xfrm>
-            <a:off x="1054473" y="12564293"/>
-            <a:ext cx="10713891" cy="1392806"/>
+            <a:off x="31932044" y="7349306"/>
+            <a:ext cx="10805886" cy="5547893"/>
           </a:xfrm>
           <a:prstGeom prst="rect">
             <a:avLst/>
@@ -12688,7 +13435,7 @@
       </p:pic>
       <p:pic>
         <p:nvPicPr>
-          <p:cNvPr id="128" name="图片 127"/>
+          <p:cNvPr id="17" name="图片 16"/>
           <p:cNvPicPr>
             <a:picLocks noChangeAspect="1"/>
           </p:cNvPicPr>
@@ -12708,8 +13455,38 @@
         </p:blipFill>
         <p:spPr>
           <a:xfrm>
-            <a:off x="2086947" y="14200979"/>
-            <a:ext cx="9389706" cy="3163557"/>
+            <a:off x="31836518" y="14125508"/>
+            <a:ext cx="10877417" cy="5584618"/>
+          </a:xfrm>
+          <a:prstGeom prst="rect">
+            <a:avLst/>
+          </a:prstGeom>
+        </p:spPr>
+      </p:pic>
+      <p:pic>
+        <p:nvPicPr>
+          <p:cNvPr id="7" name="图片 6"/>
+          <p:cNvPicPr>
+            <a:picLocks noChangeAspect="1"/>
+          </p:cNvPicPr>
+          <p:nvPr/>
+        </p:nvPicPr>
+        <p:blipFill>
+          <a:blip r:embed="rId25" cstate="print">
+            <a:extLst>
+              <a:ext uri="{28A0092B-C50C-407E-A947-70E740481C1C}">
+                <a14:useLocalDpi xmlns:a14="http://schemas.microsoft.com/office/drawing/2010/main" val="0"/>
+              </a:ext>
+            </a:extLst>
+          </a:blip>
+          <a:stretch>
+            <a:fillRect/>
+          </a:stretch>
+        </p:blipFill>
+        <p:spPr>
+          <a:xfrm>
+            <a:off x="13272244" y="26799874"/>
+            <a:ext cx="8397519" cy="4723604"/>
           </a:xfrm>
           <a:prstGeom prst="rect">
             <a:avLst/>
